--- a/month_1/day_1/Month 1, Day 1.pptx
+++ b/month_1/day_1/Month 1, Day 1.pptx
@@ -11,20 +11,24 @@
     <p:sldId id="259" r:id="rId5"/>
     <p:sldId id="260" r:id="rId6"/>
     <p:sldId id="261" r:id="rId7"/>
-    <p:sldId id="262" r:id="rId8"/>
-    <p:sldId id="263" r:id="rId9"/>
-    <p:sldId id="265" r:id="rId10"/>
-    <p:sldId id="266" r:id="rId11"/>
-    <p:sldId id="267" r:id="rId12"/>
-    <p:sldId id="268" r:id="rId13"/>
-    <p:sldId id="270" r:id="rId14"/>
-    <p:sldId id="275" r:id="rId15"/>
-    <p:sldId id="276" r:id="rId16"/>
-    <p:sldId id="271" r:id="rId17"/>
-    <p:sldId id="272" r:id="rId18"/>
-    <p:sldId id="273" r:id="rId19"/>
-    <p:sldId id="274" r:id="rId20"/>
-    <p:sldId id="264" r:id="rId21"/>
+    <p:sldId id="277" r:id="rId8"/>
+    <p:sldId id="262" r:id="rId9"/>
+    <p:sldId id="263" r:id="rId10"/>
+    <p:sldId id="265" r:id="rId11"/>
+    <p:sldId id="266" r:id="rId12"/>
+    <p:sldId id="280" r:id="rId13"/>
+    <p:sldId id="267" r:id="rId14"/>
+    <p:sldId id="268" r:id="rId15"/>
+    <p:sldId id="275" r:id="rId16"/>
+    <p:sldId id="276" r:id="rId17"/>
+    <p:sldId id="270" r:id="rId18"/>
+    <p:sldId id="271" r:id="rId19"/>
+    <p:sldId id="272" r:id="rId20"/>
+    <p:sldId id="273" r:id="rId21"/>
+    <p:sldId id="274" r:id="rId22"/>
+    <p:sldId id="264" r:id="rId23"/>
+    <p:sldId id="279" r:id="rId24"/>
+    <p:sldId id="278" r:id="rId25"/>
   </p:sldIdLst>
   <p:sldSz cx="12192000" cy="6858000"/>
   <p:notesSz cx="6858000" cy="9144000"/>
@@ -837,7 +841,7 @@
               <a:rPr lang="ko-KR" altLang="en-US" smtClean="0"/>
               <a:t>‹#›</a:t>
             </a:fld>
-            <a:endParaRPr lang="ko-KR" altLang="en-US"/>
+            <a:endParaRPr lang="ko-KR" altLang="en-US" dirty="0"/>
           </a:p>
         </p:txBody>
       </p:sp>
@@ -3025,34 +3029,50 @@
           <a:lstStyle/>
           <a:p>
             <a:r>
-              <a:rPr lang="en-US" altLang="ko-KR" b="1" dirty="0"/>
+              <a:rPr lang="en-US" altLang="ko-KR" b="1" dirty="0">
+                <a:latin typeface="+mj-ea"/>
+              </a:rPr>
               <a:t>Month</a:t>
             </a:r>
             <a:r>
-              <a:rPr lang="ko-KR" altLang="en-US" b="1" dirty="0"/>
+              <a:rPr lang="ko-KR" altLang="en-US" b="1" dirty="0">
+                <a:latin typeface="+mj-ea"/>
+              </a:rPr>
               <a:t> </a:t>
             </a:r>
             <a:r>
-              <a:rPr lang="en-US" altLang="ko-KR" b="1" dirty="0"/>
+              <a:rPr lang="en-US" altLang="ko-KR" b="1" dirty="0">
+                <a:latin typeface="+mj-ea"/>
+              </a:rPr>
               <a:t>1,</a:t>
             </a:r>
             <a:r>
-              <a:rPr lang="ko-KR" altLang="en-US" b="1" dirty="0"/>
+              <a:rPr lang="ko-KR" altLang="en-US" b="1" dirty="0">
+                <a:latin typeface="+mj-ea"/>
+              </a:rPr>
               <a:t> </a:t>
             </a:r>
             <a:r>
-              <a:rPr lang="en-US" altLang="ko-KR" b="1" dirty="0"/>
+              <a:rPr lang="en-US" altLang="ko-KR" b="1" dirty="0">
+                <a:latin typeface="+mj-ea"/>
+              </a:rPr>
               <a:t>Day</a:t>
             </a:r>
             <a:r>
-              <a:rPr lang="ko-KR" altLang="en-US" b="1" dirty="0"/>
+              <a:rPr lang="ko-KR" altLang="en-US" b="1" dirty="0">
+                <a:latin typeface="+mj-ea"/>
+              </a:rPr>
               <a:t> </a:t>
             </a:r>
             <a:r>
-              <a:rPr lang="en-US" altLang="ko-KR" b="1" dirty="0"/>
+              <a:rPr lang="en-US" altLang="ko-KR" b="1" dirty="0">
+                <a:latin typeface="+mj-ea"/>
+              </a:rPr>
               <a:t>1</a:t>
             </a:r>
-            <a:endParaRPr lang="ko-KR" altLang="en-US" b="1" dirty="0"/>
+            <a:endParaRPr lang="ko-KR" altLang="en-US" b="1" dirty="0">
+              <a:latin typeface="+mj-ea"/>
+            </a:endParaRPr>
           </a:p>
         </p:txBody>
       </p:sp>
@@ -3078,15 +3098,24 @@
           <a:lstStyle/>
           <a:p>
             <a:r>
-              <a:rPr lang="en-US" altLang="ko-KR" dirty="0" err="1"/>
+              <a:rPr lang="en-US" altLang="ko-KR" dirty="0" err="1">
+                <a:latin typeface="+mj-ea"/>
+                <a:ea typeface="+mj-ea"/>
+              </a:rPr>
               <a:t>Stealien</a:t>
             </a:r>
             <a:r>
-              <a:rPr lang="en-US" altLang="ko-KR" dirty="0"/>
+              <a:rPr lang="en-US" altLang="ko-KR" dirty="0">
+                <a:latin typeface="+mj-ea"/>
+                <a:ea typeface="+mj-ea"/>
+              </a:rPr>
               <a:t> </a:t>
             </a:r>
             <a:r>
-              <a:rPr lang="ko-KR" altLang="en-US" dirty="0"/>
+              <a:rPr lang="ko-KR" altLang="en-US" dirty="0">
+                <a:latin typeface="+mj-ea"/>
+                <a:ea typeface="+mj-ea"/>
+              </a:rPr>
               <a:t>김도현</a:t>
             </a:r>
           </a:p>
@@ -3127,7 +3156,7 @@
           <p:cNvPr id="2" name="제목 1">
             <a:extLst>
               <a:ext uri="{FF2B5EF4-FFF2-40B4-BE49-F238E27FC236}">
-                <a16:creationId xmlns:a16="http://schemas.microsoft.com/office/drawing/2014/main" id="{50CAB4B7-C976-47A8-BFEF-5A1E3EF46E78}"/>
+                <a16:creationId xmlns:a16="http://schemas.microsoft.com/office/drawing/2014/main" id="{6FA25AC4-2111-49DF-9957-188FE4019FA0}"/>
               </a:ext>
             </a:extLst>
           </p:cNvPr>
@@ -3145,8 +3174,21 @@
           <a:p>
             <a:r>
               <a:rPr lang="ko-KR" altLang="en-US" dirty="0"/>
-              <a:t>리눅스 커널에 관하여</a:t>
-            </a:r>
+              <a:t>리눅스 커널에 관하여 </a:t>
+            </a:r>
+            <a:r>
+              <a:rPr lang="en-US" altLang="ko-KR" dirty="0"/>
+              <a:t>(</a:t>
+            </a:r>
+            <a:r>
+              <a:rPr lang="ko-KR" altLang="en-US" dirty="0"/>
+              <a:t>역사</a:t>
+            </a:r>
+            <a:r>
+              <a:rPr lang="en-US" altLang="ko-KR" dirty="0"/>
+              <a:t>)</a:t>
+            </a:r>
+            <a:endParaRPr lang="ko-KR" altLang="en-US" dirty="0"/>
           </a:p>
         </p:txBody>
       </p:sp>
@@ -3155,7 +3197,7 @@
           <p:cNvPr id="3" name="내용 개체 틀 2">
             <a:extLst>
               <a:ext uri="{FF2B5EF4-FFF2-40B4-BE49-F238E27FC236}">
-                <a16:creationId xmlns:a16="http://schemas.microsoft.com/office/drawing/2014/main" id="{36A60454-208D-469F-97AE-F980A9DA8274}"/>
+                <a16:creationId xmlns:a16="http://schemas.microsoft.com/office/drawing/2014/main" id="{DB7BD1DE-544B-4FA2-A2EF-4A62EFA08D52}"/>
               </a:ext>
             </a:extLst>
           </p:cNvPr>
@@ -3168,24 +3210,41 @@
         </p:nvSpPr>
         <p:spPr/>
         <p:txBody>
-          <a:bodyPr/>
+          <a:bodyPr>
+            <a:normAutofit/>
+          </a:bodyPr>
           <a:lstStyle/>
           <a:p>
             <a:r>
               <a:rPr lang="en-US" altLang="ko-KR" dirty="0"/>
-              <a:t>Root (‘/’) directory</a:t>
+              <a:t>Linux 0.1 (1991)</a:t>
+            </a:r>
+          </a:p>
+          <a:p>
+            <a:pPr lvl="1"/>
+            <a:r>
+              <a:rPr lang="en-US" altLang="ko-KR" dirty="0"/>
+              <a:t>Network </a:t>
             </a:r>
             <a:r>
               <a:rPr lang="ko-KR" altLang="en-US" dirty="0"/>
-              <a:t>를 기반으로 단일 </a:t>
+              <a:t>기능이 없고</a:t>
             </a:r>
             <a:r>
               <a:rPr lang="en-US" altLang="ko-KR" dirty="0"/>
-              <a:t>Tree </a:t>
+              <a:t>, 80386 </a:t>
             </a:r>
             <a:r>
               <a:rPr lang="ko-KR" altLang="en-US" dirty="0"/>
-              <a:t>구조로 되어 있음</a:t>
+              <a:t>인텔 프로세서</a:t>
+            </a:r>
+            <a:r>
+              <a:rPr lang="en-US" altLang="ko-KR" dirty="0"/>
+              <a:t>, </a:t>
+            </a:r>
+            <a:r>
+              <a:rPr lang="ko-KR" altLang="en-US" dirty="0"/>
+              <a:t>하드웨어에서만 동작</a:t>
             </a:r>
             <a:r>
               <a:rPr lang="en-US" altLang="ko-KR" dirty="0"/>
@@ -3193,13 +3252,49 @@
             </a:r>
           </a:p>
           <a:p>
+            <a:r>
+              <a:rPr lang="en-US" altLang="ko-KR" dirty="0"/>
+              <a:t>Linux 1.0</a:t>
+            </a:r>
+          </a:p>
+          <a:p>
+            <a:pPr lvl="1"/>
+            <a:r>
+              <a:rPr lang="en-US" altLang="ko-KR" dirty="0"/>
+              <a:t>UNIX </a:t>
+            </a:r>
+            <a:r>
+              <a:rPr lang="ko-KR" altLang="en-US" dirty="0"/>
+              <a:t>표준 </a:t>
+            </a:r>
+            <a:r>
+              <a:rPr lang="en-US" altLang="ko-KR" dirty="0"/>
+              <a:t>TCP/IP Network protocol </a:t>
+            </a:r>
+            <a:r>
+              <a:rPr lang="ko-KR" altLang="en-US" dirty="0"/>
+              <a:t>지원</a:t>
+            </a:r>
+            <a:r>
+              <a:rPr lang="en-US" altLang="ko-KR" dirty="0"/>
+              <a:t>.</a:t>
+            </a:r>
+          </a:p>
+          <a:p>
+            <a:r>
+              <a:rPr lang="en-US" altLang="ko-KR" dirty="0"/>
+              <a:t>Linux 2.2</a:t>
+            </a:r>
+          </a:p>
+          <a:p>
+            <a:pPr lvl="1"/>
             <a:r>
               <a:rPr lang="ko-KR" altLang="en-US" b="1" dirty="0">
                 <a:highlight>
                   <a:srgbClr val="800080"/>
                 </a:highlight>
               </a:rPr>
-              <a:t>인터럽트 및 시스템 콜 기반의 동작</a:t>
+              <a:t>다양한 파일 시스템 지원</a:t>
             </a:r>
             <a:endParaRPr lang="en-US" altLang="ko-KR" b="1" dirty="0">
               <a:highlight>
@@ -3209,23 +3304,64 @@
           </a:p>
           <a:p>
             <a:r>
-              <a:rPr lang="ko-KR" altLang="en-US" dirty="0"/>
-              <a:t>공유 라이브러리 지원</a:t>
-            </a:r>
-            <a:endParaRPr lang="en-US" altLang="ko-KR" dirty="0"/>
-          </a:p>
-          <a:p>
-            <a:r>
-              <a:rPr lang="ko-KR" altLang="en-US" dirty="0"/>
-              <a:t>모듈에 의한 커널 기능 추가</a:t>
-            </a:r>
+              <a:rPr lang="en-US" altLang="ko-KR" dirty="0"/>
+              <a:t>Linux 2.6</a:t>
+            </a:r>
+          </a:p>
+          <a:p>
+            <a:pPr lvl="1"/>
+            <a:r>
+              <a:rPr lang="ko-KR" altLang="en-US" b="1" dirty="0">
+                <a:highlight>
+                  <a:srgbClr val="800080"/>
+                </a:highlight>
+              </a:rPr>
+              <a:t>커널의 선점형 동작</a:t>
+            </a:r>
+            <a:endParaRPr lang="en-US" altLang="ko-KR" b="1" dirty="0">
+              <a:highlight>
+                <a:srgbClr val="800080"/>
+              </a:highlight>
+            </a:endParaRPr>
+          </a:p>
+          <a:p>
+            <a:pPr lvl="1"/>
+            <a:r>
+              <a:rPr lang="en-US" altLang="ko-KR" b="1" dirty="0">
+                <a:highlight>
+                  <a:srgbClr val="800080"/>
+                </a:highlight>
+              </a:rPr>
+              <a:t>O(1) </a:t>
+            </a:r>
+            <a:r>
+              <a:rPr lang="ko-KR" altLang="en-US" b="1" dirty="0" err="1">
+                <a:highlight>
+                  <a:srgbClr val="800080"/>
+                </a:highlight>
+              </a:rPr>
+              <a:t>스케쥴러</a:t>
+            </a:r>
+            <a:r>
+              <a:rPr lang="ko-KR" altLang="en-US" b="1" dirty="0">
+                <a:highlight>
+                  <a:srgbClr val="800080"/>
+                </a:highlight>
+              </a:rPr>
+              <a:t> 사용</a:t>
+            </a:r>
+            <a:endParaRPr lang="en-US" altLang="ko-KR" b="1" dirty="0">
+              <a:highlight>
+                <a:srgbClr val="800080"/>
+              </a:highlight>
+            </a:endParaRPr>
           </a:p>
         </p:txBody>
       </p:sp>
     </p:spTree>
     <p:extLst>
       <p:ext uri="{BB962C8B-B14F-4D97-AF65-F5344CB8AC3E}">
-        <p14:creationId xmlns:p14="http://schemas.microsoft.com/office/powerpoint/2010/main" val="4010499175"/>
+        <p14:creationId xmlns:p14="http://schemas.microsoft.com/office/powerpoint/2010/main" val="1860071028"/>
       </p:ext>
     </p:extLst>
   </p:cSld>
@@ -3257,6 +3393,508 @@
           <p:cNvPr id="2" name="제목 1">
             <a:extLst>
               <a:ext uri="{FF2B5EF4-FFF2-40B4-BE49-F238E27FC236}">
+                <a16:creationId xmlns:a16="http://schemas.microsoft.com/office/drawing/2014/main" id="{50CAB4B7-C976-47A8-BFEF-5A1E3EF46E78}"/>
+              </a:ext>
+            </a:extLst>
+          </p:cNvPr>
+          <p:cNvSpPr>
+            <a:spLocks noGrp="1"/>
+          </p:cNvSpPr>
+          <p:nvPr>
+            <p:ph type="title"/>
+          </p:nvPr>
+        </p:nvSpPr>
+        <p:spPr/>
+        <p:txBody>
+          <a:bodyPr/>
+          <a:lstStyle/>
+          <a:p>
+            <a:r>
+              <a:rPr lang="ko-KR" altLang="en-US" dirty="0"/>
+              <a:t>리눅스 커널에 관하여</a:t>
+            </a:r>
+          </a:p>
+        </p:txBody>
+      </p:sp>
+      <p:sp>
+        <p:nvSpPr>
+          <p:cNvPr id="3" name="내용 개체 틀 2">
+            <a:extLst>
+              <a:ext uri="{FF2B5EF4-FFF2-40B4-BE49-F238E27FC236}">
+                <a16:creationId xmlns:a16="http://schemas.microsoft.com/office/drawing/2014/main" id="{36A60454-208D-469F-97AE-F980A9DA8274}"/>
+              </a:ext>
+            </a:extLst>
+          </p:cNvPr>
+          <p:cNvSpPr>
+            <a:spLocks noGrp="1"/>
+          </p:cNvSpPr>
+          <p:nvPr>
+            <p:ph idx="1"/>
+          </p:nvPr>
+        </p:nvSpPr>
+        <p:spPr/>
+        <p:txBody>
+          <a:bodyPr/>
+          <a:lstStyle/>
+          <a:p>
+            <a:r>
+              <a:rPr lang="en-US" altLang="ko-KR" dirty="0"/>
+              <a:t>Root (‘/’) directory</a:t>
+            </a:r>
+            <a:r>
+              <a:rPr lang="ko-KR" altLang="en-US" dirty="0"/>
+              <a:t>를 기반으로 단일 </a:t>
+            </a:r>
+            <a:r>
+              <a:rPr lang="en-US" altLang="ko-KR" dirty="0"/>
+              <a:t>Tree </a:t>
+            </a:r>
+            <a:r>
+              <a:rPr lang="ko-KR" altLang="en-US" dirty="0"/>
+              <a:t>구조로 되어 있음</a:t>
+            </a:r>
+            <a:r>
+              <a:rPr lang="en-US" altLang="ko-KR" dirty="0"/>
+              <a:t>.</a:t>
+            </a:r>
+          </a:p>
+          <a:p>
+            <a:r>
+              <a:rPr lang="ko-KR" altLang="en-US" b="1" dirty="0">
+                <a:highlight>
+                  <a:srgbClr val="800080"/>
+                </a:highlight>
+              </a:rPr>
+              <a:t>인터럽트 및 시스템 콜 기반의 동작</a:t>
+            </a:r>
+            <a:endParaRPr lang="en-US" altLang="ko-KR" b="1" dirty="0">
+              <a:highlight>
+                <a:srgbClr val="800080"/>
+              </a:highlight>
+            </a:endParaRPr>
+          </a:p>
+          <a:p>
+            <a:r>
+              <a:rPr lang="ko-KR" altLang="en-US" dirty="0"/>
+              <a:t>공유 라이브러리 지원</a:t>
+            </a:r>
+            <a:endParaRPr lang="en-US" altLang="ko-KR" dirty="0"/>
+          </a:p>
+          <a:p>
+            <a:r>
+              <a:rPr lang="ko-KR" altLang="en-US" dirty="0"/>
+              <a:t>모듈에 의한 커널 기능 추가</a:t>
+            </a:r>
+          </a:p>
+        </p:txBody>
+      </p:sp>
+    </p:spTree>
+    <p:extLst>
+      <p:ext uri="{BB962C8B-B14F-4D97-AF65-F5344CB8AC3E}">
+        <p14:creationId xmlns:p14="http://schemas.microsoft.com/office/powerpoint/2010/main" val="4010499175"/>
+      </p:ext>
+    </p:extLst>
+  </p:cSld>
+  <p:clrMapOvr>
+    <a:masterClrMapping/>
+  </p:clrMapOvr>
+</p:sld>
+</file>
+
+<file path=ppt/slides/slide12.xml><?xml version="1.0" encoding="utf-8"?>
+<p:sld xmlns:a="http://schemas.openxmlformats.org/drawingml/2006/main" xmlns:r="http://schemas.openxmlformats.org/officeDocument/2006/relationships" xmlns:p="http://schemas.openxmlformats.org/presentationml/2006/main">
+  <p:cSld>
+    <p:spTree>
+      <p:nvGrpSpPr>
+        <p:cNvPr id="1" name=""/>
+        <p:cNvGrpSpPr/>
+        <p:nvPr/>
+      </p:nvGrpSpPr>
+      <p:grpSpPr>
+        <a:xfrm>
+          <a:off x="0" y="0"/>
+          <a:ext cx="0" cy="0"/>
+          <a:chOff x="0" y="0"/>
+          <a:chExt cx="0" cy="0"/>
+        </a:xfrm>
+      </p:grpSpPr>
+      <p:sp>
+        <p:nvSpPr>
+          <p:cNvPr id="2" name="제목 1">
+            <a:extLst>
+              <a:ext uri="{FF2B5EF4-FFF2-40B4-BE49-F238E27FC236}">
+                <a16:creationId xmlns:a16="http://schemas.microsoft.com/office/drawing/2014/main" id="{7FB0BD4A-85A5-4C8B-A2D1-1132A2C0FE0D}"/>
+              </a:ext>
+            </a:extLst>
+          </p:cNvPr>
+          <p:cNvSpPr>
+            <a:spLocks noGrp="1"/>
+          </p:cNvSpPr>
+          <p:nvPr>
+            <p:ph type="title"/>
+          </p:nvPr>
+        </p:nvSpPr>
+        <p:spPr/>
+        <p:txBody>
+          <a:bodyPr/>
+          <a:lstStyle/>
+          <a:p>
+            <a:r>
+              <a:rPr lang="en-US" altLang="ko-KR" dirty="0"/>
+              <a:t>Question here ( Break time )</a:t>
+            </a:r>
+            <a:endParaRPr lang="ko-KR" altLang="en-US" dirty="0"/>
+          </a:p>
+        </p:txBody>
+      </p:sp>
+      <p:sp>
+        <p:nvSpPr>
+          <p:cNvPr id="3" name="내용 개체 틀 2">
+            <a:extLst>
+              <a:ext uri="{FF2B5EF4-FFF2-40B4-BE49-F238E27FC236}">
+                <a16:creationId xmlns:a16="http://schemas.microsoft.com/office/drawing/2014/main" id="{AF230871-79ED-444E-A83A-5656ECF56D3F}"/>
+              </a:ext>
+            </a:extLst>
+          </p:cNvPr>
+          <p:cNvSpPr>
+            <a:spLocks noGrp="1"/>
+          </p:cNvSpPr>
+          <p:nvPr>
+            <p:ph sz="half" idx="1"/>
+          </p:nvPr>
+        </p:nvSpPr>
+        <p:spPr>
+          <a:xfrm>
+            <a:off x="838200" y="2663825"/>
+            <a:ext cx="5181600" cy="1603375"/>
+          </a:xfrm>
+          <a:solidFill>
+            <a:schemeClr val="bg1">
+              <a:lumMod val="75000"/>
+              <a:lumOff val="25000"/>
+            </a:schemeClr>
+          </a:solidFill>
+          <a:ln>
+            <a:solidFill>
+              <a:schemeClr val="tx1"/>
+            </a:solidFill>
+          </a:ln>
+        </p:spPr>
+        <p:txBody>
+          <a:bodyPr>
+            <a:normAutofit/>
+          </a:bodyPr>
+          <a:lstStyle/>
+          <a:p>
+            <a:pPr marL="0" indent="0">
+              <a:buNone/>
+            </a:pPr>
+            <a:r>
+              <a:rPr lang="en-US" altLang="ko-KR" sz="2000" dirty="0">
+                <a:latin typeface="Consolas" panose="020B0609020204030204" pitchFamily="49" charset="0"/>
+              </a:rPr>
+              <a:t>s = socket(AF_INET, SOCK_STREAM)</a:t>
+            </a:r>
+          </a:p>
+          <a:p>
+            <a:pPr marL="0" indent="0">
+              <a:buNone/>
+            </a:pPr>
+            <a:r>
+              <a:rPr lang="en-US" altLang="ko-KR" sz="2000" dirty="0">
+                <a:latin typeface="Consolas" panose="020B0609020204030204" pitchFamily="49" charset="0"/>
+              </a:rPr>
+              <a:t>/* … */</a:t>
+            </a:r>
+          </a:p>
+          <a:p>
+            <a:pPr marL="0" indent="0">
+              <a:buNone/>
+            </a:pPr>
+            <a:r>
+              <a:rPr lang="en-US" altLang="ko-KR" sz="2000" dirty="0">
+                <a:latin typeface="Consolas" panose="020B0609020204030204" pitchFamily="49" charset="0"/>
+              </a:rPr>
+              <a:t>read(s, </a:t>
+            </a:r>
+            <a:r>
+              <a:rPr lang="en-US" altLang="ko-KR" sz="2000" dirty="0" err="1">
+                <a:latin typeface="Consolas" panose="020B0609020204030204" pitchFamily="49" charset="0"/>
+              </a:rPr>
+              <a:t>buf</a:t>
+            </a:r>
+            <a:r>
+              <a:rPr lang="en-US" altLang="ko-KR" sz="2000" dirty="0">
+                <a:latin typeface="Consolas" panose="020B0609020204030204" pitchFamily="49" charset="0"/>
+              </a:rPr>
+              <a:t>, </a:t>
+            </a:r>
+            <a:r>
+              <a:rPr lang="en-US" altLang="ko-KR" sz="2000" dirty="0" err="1">
+                <a:latin typeface="Consolas" panose="020B0609020204030204" pitchFamily="49" charset="0"/>
+              </a:rPr>
+              <a:t>sizeof</a:t>
+            </a:r>
+            <a:r>
+              <a:rPr lang="en-US" altLang="ko-KR" sz="2000" dirty="0">
+                <a:latin typeface="Consolas" panose="020B0609020204030204" pitchFamily="49" charset="0"/>
+              </a:rPr>
+              <a:t>(</a:t>
+            </a:r>
+            <a:r>
+              <a:rPr lang="en-US" altLang="ko-KR" sz="2000" dirty="0" err="1">
+                <a:latin typeface="Consolas" panose="020B0609020204030204" pitchFamily="49" charset="0"/>
+              </a:rPr>
+              <a:t>buf</a:t>
+            </a:r>
+            <a:r>
+              <a:rPr lang="en-US" altLang="ko-KR" sz="2000" dirty="0">
+                <a:latin typeface="Consolas" panose="020B0609020204030204" pitchFamily="49" charset="0"/>
+              </a:rPr>
+              <a:t>));</a:t>
+            </a:r>
+          </a:p>
+          <a:p>
+            <a:pPr marL="0" indent="0">
+              <a:buNone/>
+            </a:pPr>
+            <a:r>
+              <a:rPr lang="en-US" altLang="ko-KR" sz="2000" dirty="0">
+                <a:latin typeface="Consolas" panose="020B0609020204030204" pitchFamily="49" charset="0"/>
+              </a:rPr>
+              <a:t>close(s);</a:t>
+            </a:r>
+            <a:endParaRPr lang="ko-KR" altLang="en-US" sz="2000" dirty="0">
+              <a:latin typeface="Consolas" panose="020B0609020204030204" pitchFamily="49" charset="0"/>
+            </a:endParaRPr>
+          </a:p>
+        </p:txBody>
+      </p:sp>
+      <p:sp>
+        <p:nvSpPr>
+          <p:cNvPr id="4" name="내용 개체 틀 3">
+            <a:extLst>
+              <a:ext uri="{FF2B5EF4-FFF2-40B4-BE49-F238E27FC236}">
+                <a16:creationId xmlns:a16="http://schemas.microsoft.com/office/drawing/2014/main" id="{E84DB0D6-DB59-4EFF-8BAB-96F428104CB0}"/>
+              </a:ext>
+            </a:extLst>
+          </p:cNvPr>
+          <p:cNvSpPr>
+            <a:spLocks noGrp="1"/>
+          </p:cNvSpPr>
+          <p:nvPr>
+            <p:ph sz="half" idx="2"/>
+          </p:nvPr>
+        </p:nvSpPr>
+        <p:spPr>
+          <a:xfrm>
+            <a:off x="6172200" y="2663825"/>
+            <a:ext cx="5181600" cy="1603375"/>
+          </a:xfrm>
+          <a:solidFill>
+            <a:schemeClr val="bg1">
+              <a:lumMod val="75000"/>
+              <a:lumOff val="25000"/>
+            </a:schemeClr>
+          </a:solidFill>
+          <a:ln>
+            <a:solidFill>
+              <a:schemeClr val="tx1"/>
+            </a:solidFill>
+          </a:ln>
+        </p:spPr>
+        <p:txBody>
+          <a:bodyPr>
+            <a:normAutofit/>
+          </a:bodyPr>
+          <a:lstStyle/>
+          <a:p>
+            <a:pPr marL="0" indent="0">
+              <a:buNone/>
+            </a:pPr>
+            <a:r>
+              <a:rPr lang="en-US" altLang="ko-KR" sz="2000" dirty="0">
+                <a:latin typeface="Consolas" panose="020B0609020204030204" pitchFamily="49" charset="0"/>
+              </a:rPr>
+              <a:t>f = open(“/</a:t>
+            </a:r>
+            <a:r>
+              <a:rPr lang="en-US" altLang="ko-KR" sz="2000" dirty="0" err="1">
+                <a:latin typeface="Consolas" panose="020B0609020204030204" pitchFamily="49" charset="0"/>
+              </a:rPr>
+              <a:t>tmp</a:t>
+            </a:r>
+            <a:r>
+              <a:rPr lang="en-US" altLang="ko-KR" sz="2000" dirty="0">
+                <a:latin typeface="Consolas" panose="020B0609020204030204" pitchFamily="49" charset="0"/>
+              </a:rPr>
+              <a:t>/test”, O_RDONLY);</a:t>
+            </a:r>
+          </a:p>
+          <a:p>
+            <a:pPr marL="0" indent="0">
+              <a:buNone/>
+            </a:pPr>
+            <a:r>
+              <a:rPr lang="en-US" altLang="ko-KR" sz="2000" dirty="0">
+                <a:latin typeface="Consolas" panose="020B0609020204030204" pitchFamily="49" charset="0"/>
+              </a:rPr>
+              <a:t>/* … */</a:t>
+            </a:r>
+          </a:p>
+          <a:p>
+            <a:pPr marL="0" indent="0">
+              <a:buNone/>
+            </a:pPr>
+            <a:r>
+              <a:rPr lang="en-US" altLang="ko-KR" sz="2000" dirty="0">
+                <a:latin typeface="Consolas" panose="020B0609020204030204" pitchFamily="49" charset="0"/>
+              </a:rPr>
+              <a:t>read(f, </a:t>
+            </a:r>
+            <a:r>
+              <a:rPr lang="en-US" altLang="ko-KR" sz="2000" dirty="0" err="1">
+                <a:latin typeface="Consolas" panose="020B0609020204030204" pitchFamily="49" charset="0"/>
+              </a:rPr>
+              <a:t>buf</a:t>
+            </a:r>
+            <a:r>
+              <a:rPr lang="en-US" altLang="ko-KR" sz="2000" dirty="0">
+                <a:latin typeface="Consolas" panose="020B0609020204030204" pitchFamily="49" charset="0"/>
+              </a:rPr>
+              <a:t>, </a:t>
+            </a:r>
+            <a:r>
+              <a:rPr lang="en-US" altLang="ko-KR" sz="2000" dirty="0" err="1">
+                <a:latin typeface="Consolas" panose="020B0609020204030204" pitchFamily="49" charset="0"/>
+              </a:rPr>
+              <a:t>sizeof</a:t>
+            </a:r>
+            <a:r>
+              <a:rPr lang="en-US" altLang="ko-KR" sz="2000" dirty="0">
+                <a:latin typeface="Consolas" panose="020B0609020204030204" pitchFamily="49" charset="0"/>
+              </a:rPr>
+              <a:t>(</a:t>
+            </a:r>
+            <a:r>
+              <a:rPr lang="en-US" altLang="ko-KR" sz="2000" dirty="0" err="1">
+                <a:latin typeface="Consolas" panose="020B0609020204030204" pitchFamily="49" charset="0"/>
+              </a:rPr>
+              <a:t>buf</a:t>
+            </a:r>
+            <a:r>
+              <a:rPr lang="en-US" altLang="ko-KR" sz="2000" dirty="0">
+                <a:latin typeface="Consolas" panose="020B0609020204030204" pitchFamily="49" charset="0"/>
+              </a:rPr>
+              <a:t>));</a:t>
+            </a:r>
+          </a:p>
+          <a:p>
+            <a:pPr marL="0" indent="0">
+              <a:buNone/>
+            </a:pPr>
+            <a:r>
+              <a:rPr lang="en-US" altLang="ko-KR" sz="2000" dirty="0">
+                <a:latin typeface="Consolas" panose="020B0609020204030204" pitchFamily="49" charset="0"/>
+              </a:rPr>
+              <a:t>close(f);</a:t>
+            </a:r>
+            <a:endParaRPr lang="ko-KR" altLang="en-US" sz="2000" dirty="0">
+              <a:latin typeface="Consolas" panose="020B0609020204030204" pitchFamily="49" charset="0"/>
+            </a:endParaRPr>
+          </a:p>
+        </p:txBody>
+      </p:sp>
+      <p:sp>
+        <p:nvSpPr>
+          <p:cNvPr id="5" name="TextBox 4">
+            <a:extLst>
+              <a:ext uri="{FF2B5EF4-FFF2-40B4-BE49-F238E27FC236}">
+                <a16:creationId xmlns:a16="http://schemas.microsoft.com/office/drawing/2014/main" id="{C504F5BB-21EE-427D-82EE-94DBC39784E4}"/>
+              </a:ext>
+            </a:extLst>
+          </p:cNvPr>
+          <p:cNvSpPr txBox="1"/>
+          <p:nvPr/>
+        </p:nvSpPr>
+        <p:spPr>
+          <a:xfrm>
+            <a:off x="3413214" y="4562168"/>
+            <a:ext cx="5365571" cy="400110"/>
+          </a:xfrm>
+          <a:prstGeom prst="rect">
+            <a:avLst/>
+          </a:prstGeom>
+          <a:noFill/>
+        </p:spPr>
+        <p:txBody>
+          <a:bodyPr wrap="none" rtlCol="0">
+            <a:spAutoFit/>
+          </a:bodyPr>
+          <a:lstStyle/>
+          <a:p>
+            <a:r>
+              <a:rPr lang="ko-KR" altLang="en-US" sz="2000" b="1" dirty="0">
+                <a:highlight>
+                  <a:srgbClr val="800080"/>
+                </a:highlight>
+                <a:latin typeface="+mj-lt"/>
+              </a:rPr>
+              <a:t>두개의 코드가 비슷한 모양을 보이는 이유는</a:t>
+            </a:r>
+            <a:r>
+              <a:rPr lang="en-US" altLang="ko-KR" sz="2000" b="1" dirty="0">
+                <a:highlight>
+                  <a:srgbClr val="800080"/>
+                </a:highlight>
+                <a:latin typeface="+mj-lt"/>
+              </a:rPr>
+              <a:t>?</a:t>
+            </a:r>
+            <a:endParaRPr lang="ko-KR" altLang="en-US" sz="2000" b="1" dirty="0">
+              <a:highlight>
+                <a:srgbClr val="800080"/>
+              </a:highlight>
+              <a:latin typeface="+mj-lt"/>
+            </a:endParaRPr>
+          </a:p>
+        </p:txBody>
+      </p:sp>
+    </p:spTree>
+    <p:extLst>
+      <p:ext uri="{BB962C8B-B14F-4D97-AF65-F5344CB8AC3E}">
+        <p14:creationId xmlns:p14="http://schemas.microsoft.com/office/powerpoint/2010/main" val="692849749"/>
+      </p:ext>
+    </p:extLst>
+  </p:cSld>
+  <p:clrMapOvr>
+    <a:masterClrMapping/>
+  </p:clrMapOvr>
+</p:sld>
+</file>
+
+<file path=ppt/slides/slide13.xml><?xml version="1.0" encoding="utf-8"?>
+<p:sld xmlns:a="http://schemas.openxmlformats.org/drawingml/2006/main" xmlns:r="http://schemas.openxmlformats.org/officeDocument/2006/relationships" xmlns:p="http://schemas.openxmlformats.org/presentationml/2006/main">
+  <p:cSld>
+    <p:spTree>
+      <p:nvGrpSpPr>
+        <p:cNvPr id="1" name=""/>
+        <p:cNvGrpSpPr/>
+        <p:nvPr/>
+      </p:nvGrpSpPr>
+      <p:grpSpPr>
+        <a:xfrm>
+          <a:off x="0" y="0"/>
+          <a:ext cx="0" cy="0"/>
+          <a:chOff x="0" y="0"/>
+          <a:chExt cx="0" cy="0"/>
+        </a:xfrm>
+      </p:grpSpPr>
+      <p:sp>
+        <p:nvSpPr>
+          <p:cNvPr id="2" name="제목 1">
+            <a:extLst>
+              <a:ext uri="{FF2B5EF4-FFF2-40B4-BE49-F238E27FC236}">
                 <a16:creationId xmlns:a16="http://schemas.microsoft.com/office/drawing/2014/main" id="{A29A410A-2A61-40F4-80BB-CC3551740D62}"/>
               </a:ext>
             </a:extLst>
@@ -3307,21 +3945,31 @@
           <a:lstStyle/>
           <a:p>
             <a:r>
-              <a:rPr lang="ko-KR" altLang="en-US" dirty="0"/>
+              <a:rPr lang="ko-KR" altLang="en-US" dirty="0">
+                <a:latin typeface="+mj-lt"/>
+              </a:rPr>
               <a:t>보안</a:t>
             </a:r>
-            <a:endParaRPr lang="en-US" altLang="ko-KR" dirty="0"/>
-          </a:p>
-          <a:p>
-            <a:r>
-              <a:rPr lang="ko-KR" altLang="en-US" dirty="0"/>
+            <a:endParaRPr lang="en-US" altLang="ko-KR" dirty="0">
+              <a:latin typeface="+mj-lt"/>
+            </a:endParaRPr>
+          </a:p>
+          <a:p>
+            <a:r>
+              <a:rPr lang="ko-KR" altLang="en-US" dirty="0">
+                <a:latin typeface="+mj-lt"/>
+              </a:rPr>
               <a:t>자원관리</a:t>
             </a:r>
-            <a:endParaRPr lang="en-US" altLang="ko-KR" dirty="0"/>
-          </a:p>
-          <a:p>
-            <a:r>
-              <a:rPr lang="ko-KR" altLang="en-US" dirty="0"/>
+            <a:endParaRPr lang="en-US" altLang="ko-KR" dirty="0">
+              <a:latin typeface="+mj-lt"/>
+            </a:endParaRPr>
+          </a:p>
+          <a:p>
+            <a:r>
+              <a:rPr lang="ko-KR" altLang="en-US" dirty="0">
+                <a:latin typeface="+mj-lt"/>
+              </a:rPr>
               <a:t>추상화</a:t>
             </a:r>
           </a:p>
@@ -3340,7 +3988,7 @@
 </p:sld>
 </file>
 
-<file path=ppt/slides/slide12.xml><?xml version="1.0" encoding="utf-8"?>
+<file path=ppt/slides/slide14.xml><?xml version="1.0" encoding="utf-8"?>
 <p:sld xmlns:a="http://schemas.openxmlformats.org/drawingml/2006/main" xmlns:r="http://schemas.openxmlformats.org/officeDocument/2006/relationships" xmlns:p="http://schemas.openxmlformats.org/presentationml/2006/main">
   <p:cSld>
     <p:spTree>
@@ -3441,124 +4089,7 @@
 </p:sld>
 </file>
 
-<file path=ppt/slides/slide13.xml><?xml version="1.0" encoding="utf-8"?>
-<p:sld xmlns:a="http://schemas.openxmlformats.org/drawingml/2006/main" xmlns:r="http://schemas.openxmlformats.org/officeDocument/2006/relationships" xmlns:p="http://schemas.openxmlformats.org/presentationml/2006/main">
-  <p:cSld>
-    <p:spTree>
-      <p:nvGrpSpPr>
-        <p:cNvPr id="1" name=""/>
-        <p:cNvGrpSpPr/>
-        <p:nvPr/>
-      </p:nvGrpSpPr>
-      <p:grpSpPr>
-        <a:xfrm>
-          <a:off x="0" y="0"/>
-          <a:ext cx="0" cy="0"/>
-          <a:chOff x="0" y="0"/>
-          <a:chExt cx="0" cy="0"/>
-        </a:xfrm>
-      </p:grpSpPr>
-      <p:sp>
-        <p:nvSpPr>
-          <p:cNvPr id="2" name="제목 1">
-            <a:extLst>
-              <a:ext uri="{FF2B5EF4-FFF2-40B4-BE49-F238E27FC236}">
-                <a16:creationId xmlns:a16="http://schemas.microsoft.com/office/drawing/2014/main" id="{055BA22C-3533-4D12-8F46-FE603EACAE67}"/>
-              </a:ext>
-            </a:extLst>
-          </p:cNvPr>
-          <p:cNvSpPr>
-            <a:spLocks noGrp="1"/>
-          </p:cNvSpPr>
-          <p:nvPr>
-            <p:ph type="title"/>
-          </p:nvPr>
-        </p:nvSpPr>
-        <p:spPr/>
-        <p:txBody>
-          <a:bodyPr/>
-          <a:lstStyle/>
-          <a:p>
-            <a:r>
-              <a:rPr lang="en-US" altLang="ko-KR" dirty="0"/>
-              <a:t>CPU </a:t>
-            </a:r>
-            <a:r>
-              <a:rPr lang="ko-KR" altLang="en-US" dirty="0"/>
-              <a:t>관리</a:t>
-            </a:r>
-          </a:p>
-        </p:txBody>
-      </p:sp>
-      <p:sp>
-        <p:nvSpPr>
-          <p:cNvPr id="3" name="내용 개체 틀 2">
-            <a:extLst>
-              <a:ext uri="{FF2B5EF4-FFF2-40B4-BE49-F238E27FC236}">
-                <a16:creationId xmlns:a16="http://schemas.microsoft.com/office/drawing/2014/main" id="{52304F30-B1BC-459E-AD30-9C056BC7F2C0}"/>
-              </a:ext>
-            </a:extLst>
-          </p:cNvPr>
-          <p:cNvSpPr>
-            <a:spLocks noGrp="1"/>
-          </p:cNvSpPr>
-          <p:nvPr>
-            <p:ph idx="1"/>
-          </p:nvPr>
-        </p:nvSpPr>
-        <p:spPr/>
-        <p:txBody>
-          <a:bodyPr/>
-          <a:lstStyle/>
-          <a:p>
-            <a:r>
-              <a:rPr lang="en-US" altLang="ko-KR" dirty="0"/>
-              <a:t>Process scheduling</a:t>
-            </a:r>
-          </a:p>
-          <a:p>
-            <a:r>
-              <a:rPr lang="en-US" altLang="ko-KR" dirty="0"/>
-              <a:t>Process/Thread Creation &amp; Termination</a:t>
-            </a:r>
-          </a:p>
-          <a:p>
-            <a:r>
-              <a:rPr lang="en-US" altLang="ko-KR" dirty="0"/>
-              <a:t>Signal handling</a:t>
-            </a:r>
-          </a:p>
-          <a:p>
-            <a:r>
-              <a:rPr lang="en-US" altLang="ko-KR" dirty="0"/>
-              <a:t>Interrupt handling</a:t>
-            </a:r>
-          </a:p>
-          <a:p>
-            <a:r>
-              <a:rPr lang="en-US" altLang="ko-KR" dirty="0"/>
-              <a:t>…</a:t>
-            </a:r>
-          </a:p>
-          <a:p>
-            <a:endParaRPr lang="ko-KR" altLang="en-US" dirty="0"/>
-          </a:p>
-        </p:txBody>
-      </p:sp>
-    </p:spTree>
-    <p:extLst>
-      <p:ext uri="{BB962C8B-B14F-4D97-AF65-F5344CB8AC3E}">
-        <p14:creationId xmlns:p14="http://schemas.microsoft.com/office/powerpoint/2010/main" val="3621136538"/>
-      </p:ext>
-    </p:extLst>
-  </p:cSld>
-  <p:clrMapOvr>
-    <a:masterClrMapping/>
-  </p:clrMapOvr>
-</p:sld>
-</file>
-
-<file path=ppt/slides/slide14.xml><?xml version="1.0" encoding="utf-8"?>
+<file path=ppt/slides/slide15.xml><?xml version="1.0" encoding="utf-8"?>
 <p:sld xmlns:a="http://schemas.openxmlformats.org/drawingml/2006/main" xmlns:r="http://schemas.openxmlformats.org/officeDocument/2006/relationships" xmlns:p="http://schemas.openxmlformats.org/presentationml/2006/main">
   <p:cSld>
     <p:spTree>
@@ -3650,10 +4181,14 @@
           <a:p>
             <a:pPr algn="ctr"/>
             <a:r>
-              <a:rPr lang="en-US" altLang="ko-KR" b="1" dirty="0"/>
+              <a:rPr lang="en-US" altLang="ko-KR" b="1" dirty="0">
+                <a:latin typeface="+mj-lt"/>
+              </a:rPr>
               <a:t>Task #1</a:t>
             </a:r>
-            <a:endParaRPr lang="ko-KR" altLang="en-US" b="1" dirty="0"/>
+            <a:endParaRPr lang="ko-KR" altLang="en-US" b="1" dirty="0">
+              <a:latin typeface="+mj-lt"/>
+            </a:endParaRPr>
           </a:p>
         </p:txBody>
       </p:sp>
@@ -3823,10 +4358,14 @@
           <a:p>
             <a:pPr algn="ctr"/>
             <a:r>
-              <a:rPr lang="en-US" altLang="ko-KR" b="1" dirty="0"/>
+              <a:rPr lang="en-US" altLang="ko-KR" b="1" dirty="0">
+                <a:latin typeface="+mj-lt"/>
+              </a:rPr>
               <a:t>Task #2</a:t>
             </a:r>
-            <a:endParaRPr lang="ko-KR" altLang="en-US" b="1" dirty="0"/>
+            <a:endParaRPr lang="ko-KR" altLang="en-US" b="1" dirty="0">
+              <a:latin typeface="+mj-lt"/>
+            </a:endParaRPr>
           </a:p>
         </p:txBody>
       </p:sp>
@@ -3970,8 +4509,8 @@
         </p:nvSpPr>
         <p:spPr>
           <a:xfrm>
-            <a:off x="1381430" y="2250965"/>
-            <a:ext cx="1445337" cy="369332"/>
+            <a:off x="1273304" y="2250965"/>
+            <a:ext cx="1735368" cy="369332"/>
           </a:xfrm>
           <a:prstGeom prst="rect">
             <a:avLst/>
@@ -3986,25 +4525,19 @@
           <a:p>
             <a:pPr algn="ctr"/>
             <a:r>
-              <a:rPr lang="en-US" altLang="ko-KR" b="1" dirty="0" err="1">
-                <a:solidFill>
-                  <a:schemeClr val="accent6"/>
-                </a:solidFill>
-              </a:rPr>
-              <a:t>Cpu</a:t>
-            </a:r>
-            <a:r>
               <a:rPr lang="en-US" altLang="ko-KR" b="1" dirty="0">
                 <a:solidFill>
                   <a:schemeClr val="accent6"/>
                 </a:solidFill>
-              </a:rPr>
-              <a:t> resource</a:t>
+                <a:latin typeface="+mj-lt"/>
+              </a:rPr>
+              <a:t>CPU resource</a:t>
             </a:r>
             <a:endParaRPr lang="ko-KR" altLang="en-US" b="1" dirty="0">
               <a:solidFill>
                 <a:schemeClr val="accent6"/>
               </a:solidFill>
+              <a:latin typeface="+mj-lt"/>
             </a:endParaRPr>
           </a:p>
         </p:txBody>
@@ -4079,10 +4612,14 @@
           <a:lstStyle/>
           <a:p>
             <a:r>
-              <a:rPr lang="en-US" altLang="ko-KR" dirty="0"/>
+              <a:rPr lang="en-US" altLang="ko-KR" dirty="0">
+                <a:latin typeface="+mj-lt"/>
+              </a:rPr>
               <a:t>Task 1 &amp; 2 start</a:t>
             </a:r>
-            <a:endParaRPr lang="ko-KR" altLang="en-US" dirty="0"/>
+            <a:endParaRPr lang="ko-KR" altLang="en-US" dirty="0">
+              <a:latin typeface="+mj-lt"/>
+            </a:endParaRPr>
           </a:p>
         </p:txBody>
       </p:sp>
@@ -4115,10 +4652,14 @@
           <a:lstStyle/>
           <a:p>
             <a:r>
-              <a:rPr lang="en-US" altLang="ko-KR" dirty="0"/>
+              <a:rPr lang="en-US" altLang="ko-KR" dirty="0">
+                <a:latin typeface="+mj-lt"/>
+              </a:rPr>
               <a:t>Task 1 Done</a:t>
             </a:r>
-            <a:endParaRPr lang="ko-KR" altLang="en-US" dirty="0"/>
+            <a:endParaRPr lang="ko-KR" altLang="en-US" dirty="0">
+              <a:latin typeface="+mj-lt"/>
+            </a:endParaRPr>
           </a:p>
         </p:txBody>
       </p:sp>
@@ -4151,10 +4692,14 @@
           <a:lstStyle/>
           <a:p>
             <a:r>
-              <a:rPr lang="en-US" altLang="ko-KR" dirty="0"/>
+              <a:rPr lang="en-US" altLang="ko-KR" dirty="0">
+                <a:latin typeface="+mj-lt"/>
+              </a:rPr>
               <a:t>Task 2 Done</a:t>
             </a:r>
-            <a:endParaRPr lang="ko-KR" altLang="en-US" dirty="0"/>
+            <a:endParaRPr lang="ko-KR" altLang="en-US" dirty="0">
+              <a:latin typeface="+mj-lt"/>
+            </a:endParaRPr>
           </a:p>
         </p:txBody>
       </p:sp>
@@ -4171,7 +4716,7 @@
 </p:sld>
 </file>
 
-<file path=ppt/slides/slide15.xml><?xml version="1.0" encoding="utf-8"?>
+<file path=ppt/slides/slide16.xml><?xml version="1.0" encoding="utf-8"?>
 <p:sld xmlns:a="http://schemas.openxmlformats.org/drawingml/2006/main" xmlns:r="http://schemas.openxmlformats.org/officeDocument/2006/relationships" xmlns:p="http://schemas.openxmlformats.org/presentationml/2006/main">
   <p:cSld>
     <p:spTree>
@@ -4419,8 +4964,8 @@
         </p:nvSpPr>
         <p:spPr>
           <a:xfrm>
-            <a:off x="1381430" y="2250965"/>
-            <a:ext cx="1445337" cy="369332"/>
+            <a:off x="1258566" y="2250965"/>
+            <a:ext cx="1764882" cy="369332"/>
           </a:xfrm>
           <a:prstGeom prst="rect">
             <a:avLst/>
@@ -4435,20 +4980,12 @@
           <a:p>
             <a:pPr algn="ctr"/>
             <a:r>
-              <a:rPr lang="en-US" altLang="ko-KR" b="1" dirty="0" err="1">
-                <a:solidFill>
-                  <a:schemeClr val="accent6"/>
-                </a:solidFill>
-              </a:rPr>
-              <a:t>Cpu</a:t>
-            </a:r>
-            <a:r>
               <a:rPr lang="en-US" altLang="ko-KR" b="1" dirty="0">
                 <a:solidFill>
                   <a:schemeClr val="accent6"/>
                 </a:solidFill>
               </a:rPr>
-              <a:t> resource</a:t>
+              <a:t>CPU resource</a:t>
             </a:r>
             <a:endParaRPr lang="ko-KR" altLang="en-US" b="1" dirty="0">
               <a:solidFill>
@@ -4508,47 +5045,6 @@
           </a:p>
         </p:txBody>
       </p:sp>
-      <p:cxnSp>
-        <p:nvCxnSpPr>
-          <p:cNvPr id="19" name="직선 화살표 연결선 18">
-            <a:extLst>
-              <a:ext uri="{FF2B5EF4-FFF2-40B4-BE49-F238E27FC236}">
-                <a16:creationId xmlns:a16="http://schemas.microsoft.com/office/drawing/2014/main" id="{38045FD4-C38B-43A0-8B3C-670259F76D85}"/>
-              </a:ext>
-            </a:extLst>
-          </p:cNvPr>
-          <p:cNvCxnSpPr>
-            <a:cxnSpLocks/>
-          </p:cNvCxnSpPr>
-          <p:nvPr/>
-        </p:nvCxnSpPr>
-        <p:spPr>
-          <a:xfrm>
-            <a:off x="6071413" y="4444180"/>
-            <a:ext cx="0" cy="629265"/>
-          </a:xfrm>
-          <a:prstGeom prst="straightConnector1">
-            <a:avLst/>
-          </a:prstGeom>
-          <a:ln w="38100">
-            <a:tailEnd type="triangle"/>
-          </a:ln>
-        </p:spPr>
-        <p:style>
-          <a:lnRef idx="1">
-            <a:schemeClr val="accent1"/>
-          </a:lnRef>
-          <a:fillRef idx="0">
-            <a:schemeClr val="accent1"/>
-          </a:fillRef>
-          <a:effectRef idx="0">
-            <a:schemeClr val="accent1"/>
-          </a:effectRef>
-          <a:fontRef idx="minor">
-            <a:schemeClr val="tx1"/>
-          </a:fontRef>
-        </p:style>
-      </p:cxnSp>
       <p:sp>
         <p:nvSpPr>
           <p:cNvPr id="21" name="직사각형 20">
@@ -4599,88 +5095,6 @@
           </a:p>
         </p:txBody>
       </p:sp>
-      <p:cxnSp>
-        <p:nvCxnSpPr>
-          <p:cNvPr id="22" name="직선 화살표 연결선 21">
-            <a:extLst>
-              <a:ext uri="{FF2B5EF4-FFF2-40B4-BE49-F238E27FC236}">
-                <a16:creationId xmlns:a16="http://schemas.microsoft.com/office/drawing/2014/main" id="{E81ABDDF-019B-43D2-BB83-801A3B06BF37}"/>
-              </a:ext>
-            </a:extLst>
-          </p:cNvPr>
-          <p:cNvCxnSpPr>
-            <a:cxnSpLocks/>
-          </p:cNvCxnSpPr>
-          <p:nvPr/>
-        </p:nvCxnSpPr>
-        <p:spPr>
-          <a:xfrm>
-            <a:off x="7339770" y="4444180"/>
-            <a:ext cx="0" cy="629265"/>
-          </a:xfrm>
-          <a:prstGeom prst="straightConnector1">
-            <a:avLst/>
-          </a:prstGeom>
-          <a:ln w="38100">
-            <a:tailEnd type="triangle"/>
-          </a:ln>
-        </p:spPr>
-        <p:style>
-          <a:lnRef idx="1">
-            <a:schemeClr val="accent1"/>
-          </a:lnRef>
-          <a:fillRef idx="0">
-            <a:schemeClr val="accent1"/>
-          </a:fillRef>
-          <a:effectRef idx="0">
-            <a:schemeClr val="accent1"/>
-          </a:effectRef>
-          <a:fontRef idx="minor">
-            <a:schemeClr val="tx1"/>
-          </a:fontRef>
-        </p:style>
-      </p:cxnSp>
-      <p:cxnSp>
-        <p:nvCxnSpPr>
-          <p:cNvPr id="23" name="직선 연결선 22">
-            <a:extLst>
-              <a:ext uri="{FF2B5EF4-FFF2-40B4-BE49-F238E27FC236}">
-                <a16:creationId xmlns:a16="http://schemas.microsoft.com/office/drawing/2014/main" id="{DE3EB535-DD69-4F47-9AFB-6AA99D41B1B6}"/>
-              </a:ext>
-            </a:extLst>
-          </p:cNvPr>
-          <p:cNvCxnSpPr>
-            <a:cxnSpLocks/>
-          </p:cNvCxnSpPr>
-          <p:nvPr/>
-        </p:nvCxnSpPr>
-        <p:spPr>
-          <a:xfrm>
-            <a:off x="7339770" y="3814915"/>
-            <a:ext cx="0" cy="629265"/>
-          </a:xfrm>
-          <a:prstGeom prst="line">
-            <a:avLst/>
-          </a:prstGeom>
-          <a:ln w="38100">
-            <a:prstDash val="dash"/>
-          </a:ln>
-        </p:spPr>
-        <p:style>
-          <a:lnRef idx="1">
-            <a:schemeClr val="accent1"/>
-          </a:lnRef>
-          <a:fillRef idx="0">
-            <a:schemeClr val="accent1"/>
-          </a:fillRef>
-          <a:effectRef idx="0">
-            <a:schemeClr val="accent1"/>
-          </a:effectRef>
-          <a:fontRef idx="minor">
-            <a:schemeClr val="tx1"/>
-          </a:fontRef>
-        </p:style>
-      </p:cxnSp>
       <p:sp>
         <p:nvSpPr>
           <p:cNvPr id="24" name="직사각형 23">
@@ -4704,15 +5118,15 @@
         </p:spPr>
         <p:style>
           <a:lnRef idx="2">
-            <a:schemeClr val="accent1">
+            <a:schemeClr val="accent5">
               <a:shade val="50000"/>
             </a:schemeClr>
           </a:lnRef>
           <a:fillRef idx="1">
-            <a:schemeClr val="accent1"/>
+            <a:schemeClr val="accent5"/>
           </a:fillRef>
           <a:effectRef idx="0">
-            <a:schemeClr val="accent1"/>
+            <a:schemeClr val="accent5"/>
           </a:effectRef>
           <a:fontRef idx="minor">
             <a:schemeClr val="lt1"/>
@@ -4731,88 +5145,6 @@
           </a:p>
         </p:txBody>
       </p:sp>
-      <p:cxnSp>
-        <p:nvCxnSpPr>
-          <p:cNvPr id="25" name="직선 화살표 연결선 24">
-            <a:extLst>
-              <a:ext uri="{FF2B5EF4-FFF2-40B4-BE49-F238E27FC236}">
-                <a16:creationId xmlns:a16="http://schemas.microsoft.com/office/drawing/2014/main" id="{8A01C2BF-5AC4-4D63-8C54-13365DC08D3C}"/>
-              </a:ext>
-            </a:extLst>
-          </p:cNvPr>
-          <p:cNvCxnSpPr>
-            <a:cxnSpLocks/>
-          </p:cNvCxnSpPr>
-          <p:nvPr/>
-        </p:nvCxnSpPr>
-        <p:spPr>
-          <a:xfrm>
-            <a:off x="8608127" y="4444180"/>
-            <a:ext cx="0" cy="629265"/>
-          </a:xfrm>
-          <a:prstGeom prst="straightConnector1">
-            <a:avLst/>
-          </a:prstGeom>
-          <a:ln w="38100">
-            <a:tailEnd type="triangle"/>
-          </a:ln>
-        </p:spPr>
-        <p:style>
-          <a:lnRef idx="1">
-            <a:schemeClr val="accent1"/>
-          </a:lnRef>
-          <a:fillRef idx="0">
-            <a:schemeClr val="accent1"/>
-          </a:fillRef>
-          <a:effectRef idx="0">
-            <a:schemeClr val="accent1"/>
-          </a:effectRef>
-          <a:fontRef idx="minor">
-            <a:schemeClr val="tx1"/>
-          </a:fontRef>
-        </p:style>
-      </p:cxnSp>
-      <p:cxnSp>
-        <p:nvCxnSpPr>
-          <p:cNvPr id="26" name="직선 연결선 25">
-            <a:extLst>
-              <a:ext uri="{FF2B5EF4-FFF2-40B4-BE49-F238E27FC236}">
-                <a16:creationId xmlns:a16="http://schemas.microsoft.com/office/drawing/2014/main" id="{5A930561-3FB7-4FD2-908C-0B99EDBE9D72}"/>
-              </a:ext>
-            </a:extLst>
-          </p:cNvPr>
-          <p:cNvCxnSpPr>
-            <a:cxnSpLocks/>
-          </p:cNvCxnSpPr>
-          <p:nvPr/>
-        </p:nvCxnSpPr>
-        <p:spPr>
-          <a:xfrm>
-            <a:off x="8608127" y="3814915"/>
-            <a:ext cx="0" cy="629265"/>
-          </a:xfrm>
-          <a:prstGeom prst="line">
-            <a:avLst/>
-          </a:prstGeom>
-          <a:ln w="38100">
-            <a:prstDash val="dash"/>
-          </a:ln>
-        </p:spPr>
-        <p:style>
-          <a:lnRef idx="1">
-            <a:schemeClr val="accent1"/>
-          </a:lnRef>
-          <a:fillRef idx="0">
-            <a:schemeClr val="accent1"/>
-          </a:fillRef>
-          <a:effectRef idx="0">
-            <a:schemeClr val="accent1"/>
-          </a:effectRef>
-          <a:fontRef idx="minor">
-            <a:schemeClr val="tx1"/>
-          </a:fontRef>
-        </p:style>
-      </p:cxnSp>
       <p:cxnSp>
         <p:nvCxnSpPr>
           <p:cNvPr id="28" name="직선 연결선 27">
@@ -4829,7 +5161,7 @@
         </p:nvCxnSpPr>
         <p:spPr>
           <a:xfrm>
-            <a:off x="2993896" y="4444180"/>
+            <a:off x="3008672" y="4390101"/>
             <a:ext cx="6174656" cy="0"/>
           </a:xfrm>
           <a:prstGeom prst="line">
@@ -4870,7 +5202,7 @@
         </p:nvCxnSpPr>
         <p:spPr>
           <a:xfrm>
-            <a:off x="2984085" y="5048863"/>
+            <a:off x="3008672" y="4390101"/>
             <a:ext cx="6174656" cy="0"/>
           </a:xfrm>
           <a:prstGeom prst="line">
@@ -4895,6 +5227,435 @@
           </a:fontRef>
         </p:style>
       </p:cxnSp>
+      <p:cxnSp>
+        <p:nvCxnSpPr>
+          <p:cNvPr id="31" name="직선 연결선 30">
+            <a:extLst>
+              <a:ext uri="{FF2B5EF4-FFF2-40B4-BE49-F238E27FC236}">
+                <a16:creationId xmlns:a16="http://schemas.microsoft.com/office/drawing/2014/main" id="{45407778-7491-4044-805A-51919C803DA4}"/>
+              </a:ext>
+            </a:extLst>
+          </p:cNvPr>
+          <p:cNvCxnSpPr>
+            <a:cxnSpLocks/>
+          </p:cNvCxnSpPr>
+          <p:nvPr/>
+        </p:nvCxnSpPr>
+        <p:spPr>
+          <a:xfrm>
+            <a:off x="2993896" y="4955456"/>
+            <a:ext cx="6174656" cy="0"/>
+          </a:xfrm>
+          <a:prstGeom prst="line">
+            <a:avLst/>
+          </a:prstGeom>
+          <a:ln w="38100">
+            <a:prstDash val="sysDot"/>
+          </a:ln>
+        </p:spPr>
+        <p:style>
+          <a:lnRef idx="1">
+            <a:schemeClr val="accent1"/>
+          </a:lnRef>
+          <a:fillRef idx="0">
+            <a:schemeClr val="accent1"/>
+          </a:fillRef>
+          <a:effectRef idx="0">
+            <a:schemeClr val="accent1"/>
+          </a:effectRef>
+          <a:fontRef idx="minor">
+            <a:schemeClr val="tx1"/>
+          </a:fontRef>
+        </p:style>
+      </p:cxnSp>
+      <p:cxnSp>
+        <p:nvCxnSpPr>
+          <p:cNvPr id="32" name="직선 연결선 31">
+            <a:extLst>
+              <a:ext uri="{FF2B5EF4-FFF2-40B4-BE49-F238E27FC236}">
+                <a16:creationId xmlns:a16="http://schemas.microsoft.com/office/drawing/2014/main" id="{EBBC78BA-2A4C-429C-BBCD-D2D20E87E8B3}"/>
+              </a:ext>
+            </a:extLst>
+          </p:cNvPr>
+          <p:cNvCxnSpPr>
+            <a:cxnSpLocks/>
+          </p:cNvCxnSpPr>
+          <p:nvPr/>
+        </p:nvCxnSpPr>
+        <p:spPr>
+          <a:xfrm>
+            <a:off x="2993896" y="4955456"/>
+            <a:ext cx="6174656" cy="0"/>
+          </a:xfrm>
+          <a:prstGeom prst="line">
+            <a:avLst/>
+          </a:prstGeom>
+          <a:ln w="38100">
+            <a:prstDash val="sysDot"/>
+          </a:ln>
+        </p:spPr>
+        <p:style>
+          <a:lnRef idx="1">
+            <a:schemeClr val="accent1"/>
+          </a:lnRef>
+          <a:fillRef idx="0">
+            <a:schemeClr val="accent1"/>
+          </a:fillRef>
+          <a:effectRef idx="0">
+            <a:schemeClr val="accent1"/>
+          </a:effectRef>
+          <a:fontRef idx="minor">
+            <a:schemeClr val="tx1"/>
+          </a:fontRef>
+        </p:style>
+      </p:cxnSp>
+      <p:cxnSp>
+        <p:nvCxnSpPr>
+          <p:cNvPr id="33" name="직선 연결선 32">
+            <a:extLst>
+              <a:ext uri="{FF2B5EF4-FFF2-40B4-BE49-F238E27FC236}">
+                <a16:creationId xmlns:a16="http://schemas.microsoft.com/office/drawing/2014/main" id="{38282A27-64B1-403E-BE1F-11186AD195C5}"/>
+              </a:ext>
+            </a:extLst>
+          </p:cNvPr>
+          <p:cNvCxnSpPr>
+            <a:cxnSpLocks/>
+          </p:cNvCxnSpPr>
+          <p:nvPr/>
+        </p:nvCxnSpPr>
+        <p:spPr>
+          <a:xfrm>
+            <a:off x="2993896" y="5535559"/>
+            <a:ext cx="6174656" cy="0"/>
+          </a:xfrm>
+          <a:prstGeom prst="line">
+            <a:avLst/>
+          </a:prstGeom>
+          <a:ln w="38100">
+            <a:prstDash val="sysDot"/>
+          </a:ln>
+        </p:spPr>
+        <p:style>
+          <a:lnRef idx="1">
+            <a:schemeClr val="accent1"/>
+          </a:lnRef>
+          <a:fillRef idx="0">
+            <a:schemeClr val="accent1"/>
+          </a:fillRef>
+          <a:effectRef idx="0">
+            <a:schemeClr val="accent1"/>
+          </a:effectRef>
+          <a:fontRef idx="minor">
+            <a:schemeClr val="tx1"/>
+          </a:fontRef>
+        </p:style>
+      </p:cxnSp>
+      <p:cxnSp>
+        <p:nvCxnSpPr>
+          <p:cNvPr id="34" name="직선 연결선 33">
+            <a:extLst>
+              <a:ext uri="{FF2B5EF4-FFF2-40B4-BE49-F238E27FC236}">
+                <a16:creationId xmlns:a16="http://schemas.microsoft.com/office/drawing/2014/main" id="{57623896-F488-42EF-9984-37E9B7241EDB}"/>
+              </a:ext>
+            </a:extLst>
+          </p:cNvPr>
+          <p:cNvCxnSpPr>
+            <a:cxnSpLocks/>
+          </p:cNvCxnSpPr>
+          <p:nvPr/>
+        </p:nvCxnSpPr>
+        <p:spPr>
+          <a:xfrm>
+            <a:off x="2993896" y="5535559"/>
+            <a:ext cx="6174656" cy="0"/>
+          </a:xfrm>
+          <a:prstGeom prst="line">
+            <a:avLst/>
+          </a:prstGeom>
+          <a:ln w="38100">
+            <a:prstDash val="sysDot"/>
+          </a:ln>
+        </p:spPr>
+        <p:style>
+          <a:lnRef idx="1">
+            <a:schemeClr val="accent1"/>
+          </a:lnRef>
+          <a:fillRef idx="0">
+            <a:schemeClr val="accent1"/>
+          </a:fillRef>
+          <a:effectRef idx="0">
+            <a:schemeClr val="accent1"/>
+          </a:effectRef>
+          <a:fontRef idx="minor">
+            <a:schemeClr val="tx1"/>
+          </a:fontRef>
+        </p:style>
+      </p:cxnSp>
+      <p:cxnSp>
+        <p:nvCxnSpPr>
+          <p:cNvPr id="36" name="직선 화살표 연결선 35">
+            <a:extLst>
+              <a:ext uri="{FF2B5EF4-FFF2-40B4-BE49-F238E27FC236}">
+                <a16:creationId xmlns:a16="http://schemas.microsoft.com/office/drawing/2014/main" id="{E58CB3C4-43ED-4158-A915-2EDB7A0263F1}"/>
+              </a:ext>
+            </a:extLst>
+          </p:cNvPr>
+          <p:cNvCxnSpPr>
+            <a:cxnSpLocks/>
+            <a:stCxn id="4" idx="2"/>
+          </p:cNvCxnSpPr>
+          <p:nvPr/>
+        </p:nvCxnSpPr>
+        <p:spPr>
+          <a:xfrm>
+            <a:off x="3551898" y="3259394"/>
+            <a:ext cx="0" cy="555521"/>
+          </a:xfrm>
+          <a:prstGeom prst="straightConnector1">
+            <a:avLst/>
+          </a:prstGeom>
+          <a:ln w="28575">
+            <a:tailEnd type="triangle"/>
+          </a:ln>
+        </p:spPr>
+        <p:style>
+          <a:lnRef idx="1">
+            <a:schemeClr val="accent1"/>
+          </a:lnRef>
+          <a:fillRef idx="0">
+            <a:schemeClr val="accent1"/>
+          </a:fillRef>
+          <a:effectRef idx="0">
+            <a:schemeClr val="accent1"/>
+          </a:effectRef>
+          <a:fontRef idx="minor">
+            <a:schemeClr val="tx1"/>
+          </a:fontRef>
+        </p:style>
+      </p:cxnSp>
+      <p:cxnSp>
+        <p:nvCxnSpPr>
+          <p:cNvPr id="39" name="직선 화살표 연결선 38">
+            <a:extLst>
+              <a:ext uri="{FF2B5EF4-FFF2-40B4-BE49-F238E27FC236}">
+                <a16:creationId xmlns:a16="http://schemas.microsoft.com/office/drawing/2014/main" id="{FFA1EE1B-FA2A-46CD-B0E5-9111263E77FA}"/>
+              </a:ext>
+            </a:extLst>
+          </p:cNvPr>
+          <p:cNvCxnSpPr>
+            <a:cxnSpLocks/>
+          </p:cNvCxnSpPr>
+          <p:nvPr/>
+        </p:nvCxnSpPr>
+        <p:spPr>
+          <a:xfrm>
+            <a:off x="4766181" y="3814915"/>
+            <a:ext cx="0" cy="555521"/>
+          </a:xfrm>
+          <a:prstGeom prst="straightConnector1">
+            <a:avLst/>
+          </a:prstGeom>
+          <a:ln w="28575">
+            <a:tailEnd type="triangle"/>
+          </a:ln>
+        </p:spPr>
+        <p:style>
+          <a:lnRef idx="1">
+            <a:schemeClr val="accent1"/>
+          </a:lnRef>
+          <a:fillRef idx="0">
+            <a:schemeClr val="accent1"/>
+          </a:fillRef>
+          <a:effectRef idx="0">
+            <a:schemeClr val="accent1"/>
+          </a:effectRef>
+          <a:fontRef idx="minor">
+            <a:schemeClr val="tx1"/>
+          </a:fontRef>
+        </p:style>
+      </p:cxnSp>
+      <p:cxnSp>
+        <p:nvCxnSpPr>
+          <p:cNvPr id="40" name="직선 화살표 연결선 39">
+            <a:extLst>
+              <a:ext uri="{FF2B5EF4-FFF2-40B4-BE49-F238E27FC236}">
+                <a16:creationId xmlns:a16="http://schemas.microsoft.com/office/drawing/2014/main" id="{BDBBE7A9-B66A-457A-928F-289A786F732C}"/>
+              </a:ext>
+            </a:extLst>
+          </p:cNvPr>
+          <p:cNvCxnSpPr>
+            <a:cxnSpLocks/>
+          </p:cNvCxnSpPr>
+          <p:nvPr/>
+        </p:nvCxnSpPr>
+        <p:spPr>
+          <a:xfrm>
+            <a:off x="6096000" y="4370436"/>
+            <a:ext cx="0" cy="555521"/>
+          </a:xfrm>
+          <a:prstGeom prst="straightConnector1">
+            <a:avLst/>
+          </a:prstGeom>
+          <a:ln w="28575">
+            <a:tailEnd type="triangle"/>
+          </a:ln>
+        </p:spPr>
+        <p:style>
+          <a:lnRef idx="1">
+            <a:schemeClr val="accent1"/>
+          </a:lnRef>
+          <a:fillRef idx="0">
+            <a:schemeClr val="accent1"/>
+          </a:fillRef>
+          <a:effectRef idx="0">
+            <a:schemeClr val="accent1"/>
+          </a:effectRef>
+          <a:fontRef idx="minor">
+            <a:schemeClr val="tx1"/>
+          </a:fontRef>
+        </p:style>
+      </p:cxnSp>
+      <p:cxnSp>
+        <p:nvCxnSpPr>
+          <p:cNvPr id="41" name="직선 화살표 연결선 40">
+            <a:extLst>
+              <a:ext uri="{FF2B5EF4-FFF2-40B4-BE49-F238E27FC236}">
+                <a16:creationId xmlns:a16="http://schemas.microsoft.com/office/drawing/2014/main" id="{4190A7C0-6CA9-404D-9822-4470EDF33940}"/>
+              </a:ext>
+            </a:extLst>
+          </p:cNvPr>
+          <p:cNvCxnSpPr>
+            <a:cxnSpLocks/>
+          </p:cNvCxnSpPr>
+          <p:nvPr/>
+        </p:nvCxnSpPr>
+        <p:spPr>
+          <a:xfrm>
+            <a:off x="7388942" y="4955456"/>
+            <a:ext cx="0" cy="555521"/>
+          </a:xfrm>
+          <a:prstGeom prst="straightConnector1">
+            <a:avLst/>
+          </a:prstGeom>
+          <a:ln w="28575">
+            <a:tailEnd type="triangle"/>
+          </a:ln>
+        </p:spPr>
+        <p:style>
+          <a:lnRef idx="1">
+            <a:schemeClr val="accent1"/>
+          </a:lnRef>
+          <a:fillRef idx="0">
+            <a:schemeClr val="accent1"/>
+          </a:fillRef>
+          <a:effectRef idx="0">
+            <a:schemeClr val="accent1"/>
+          </a:effectRef>
+          <a:fontRef idx="minor">
+            <a:schemeClr val="tx1"/>
+          </a:fontRef>
+        </p:style>
+      </p:cxnSp>
+      <p:sp>
+        <p:nvSpPr>
+          <p:cNvPr id="43" name="TextBox 42">
+            <a:extLst>
+              <a:ext uri="{FF2B5EF4-FFF2-40B4-BE49-F238E27FC236}">
+                <a16:creationId xmlns:a16="http://schemas.microsoft.com/office/drawing/2014/main" id="{A7A3E513-2640-4F5F-9BD4-2E567A5832AE}"/>
+              </a:ext>
+            </a:extLst>
+          </p:cNvPr>
+          <p:cNvSpPr txBox="1"/>
+          <p:nvPr/>
+        </p:nvSpPr>
+        <p:spPr>
+          <a:xfrm>
+            <a:off x="3215728" y="5881831"/>
+            <a:ext cx="5730992" cy="369332"/>
+          </a:xfrm>
+          <a:prstGeom prst="rect">
+            <a:avLst/>
+          </a:prstGeom>
+          <a:noFill/>
+        </p:spPr>
+        <p:txBody>
+          <a:bodyPr wrap="none" rtlCol="0">
+            <a:spAutoFit/>
+          </a:bodyPr>
+          <a:lstStyle/>
+          <a:p>
+            <a:r>
+              <a:rPr lang="ko-KR" altLang="en-US" b="1" dirty="0">
+                <a:highlight>
+                  <a:srgbClr val="800080"/>
+                </a:highlight>
+              </a:rPr>
+              <a:t>결국 </a:t>
+            </a:r>
+            <a:r>
+              <a:rPr lang="en-US" altLang="ko-KR" b="1" dirty="0">
+                <a:highlight>
+                  <a:srgbClr val="800080"/>
+                </a:highlight>
+              </a:rPr>
+              <a:t>N</a:t>
+            </a:r>
+            <a:r>
+              <a:rPr lang="ko-KR" altLang="en-US" b="1" dirty="0">
+                <a:highlight>
+                  <a:srgbClr val="800080"/>
+                </a:highlight>
+              </a:rPr>
+              <a:t>번째 </a:t>
+            </a:r>
+            <a:r>
+              <a:rPr lang="en-US" altLang="ko-KR" b="1" dirty="0">
+                <a:highlight>
+                  <a:srgbClr val="800080"/>
+                </a:highlight>
+              </a:rPr>
+              <a:t>Task</a:t>
+            </a:r>
+            <a:r>
+              <a:rPr lang="ko-KR" altLang="en-US" b="1" dirty="0">
+                <a:highlight>
+                  <a:srgbClr val="800080"/>
+                </a:highlight>
+              </a:rPr>
+              <a:t>는 엄청 나중에 </a:t>
+            </a:r>
+            <a:r>
+              <a:rPr lang="en-US" altLang="ko-KR" b="1" dirty="0">
+                <a:highlight>
+                  <a:srgbClr val="800080"/>
+                </a:highlight>
+              </a:rPr>
+              <a:t>CPU Resource </a:t>
+            </a:r>
+            <a:r>
+              <a:rPr lang="ko-KR" altLang="en-US" b="1" dirty="0">
+                <a:highlight>
+                  <a:srgbClr val="800080"/>
+                </a:highlight>
+              </a:rPr>
+              <a:t>선점 가능</a:t>
+            </a:r>
+            <a:r>
+              <a:rPr lang="en-US" altLang="ko-KR" b="1" dirty="0">
+                <a:highlight>
+                  <a:srgbClr val="800080"/>
+                </a:highlight>
+              </a:rPr>
+              <a:t>.</a:t>
+            </a:r>
+            <a:endParaRPr lang="ko-KR" altLang="en-US" b="1" dirty="0">
+              <a:highlight>
+                <a:srgbClr val="800080"/>
+              </a:highlight>
+            </a:endParaRPr>
+          </a:p>
+        </p:txBody>
+      </p:sp>
     </p:spTree>
     <p:extLst>
       <p:ext uri="{BB962C8B-B14F-4D97-AF65-F5344CB8AC3E}">
@@ -4908,7 +5669,124 @@
 </p:sld>
 </file>
 
-<file path=ppt/slides/slide16.xml><?xml version="1.0" encoding="utf-8"?>
+<file path=ppt/slides/slide17.xml><?xml version="1.0" encoding="utf-8"?>
+<p:sld xmlns:a="http://schemas.openxmlformats.org/drawingml/2006/main" xmlns:r="http://schemas.openxmlformats.org/officeDocument/2006/relationships" xmlns:p="http://schemas.openxmlformats.org/presentationml/2006/main">
+  <p:cSld>
+    <p:spTree>
+      <p:nvGrpSpPr>
+        <p:cNvPr id="1" name=""/>
+        <p:cNvGrpSpPr/>
+        <p:nvPr/>
+      </p:nvGrpSpPr>
+      <p:grpSpPr>
+        <a:xfrm>
+          <a:off x="0" y="0"/>
+          <a:ext cx="0" cy="0"/>
+          <a:chOff x="0" y="0"/>
+          <a:chExt cx="0" cy="0"/>
+        </a:xfrm>
+      </p:grpSpPr>
+      <p:sp>
+        <p:nvSpPr>
+          <p:cNvPr id="2" name="제목 1">
+            <a:extLst>
+              <a:ext uri="{FF2B5EF4-FFF2-40B4-BE49-F238E27FC236}">
+                <a16:creationId xmlns:a16="http://schemas.microsoft.com/office/drawing/2014/main" id="{055BA22C-3533-4D12-8F46-FE603EACAE67}"/>
+              </a:ext>
+            </a:extLst>
+          </p:cNvPr>
+          <p:cNvSpPr>
+            <a:spLocks noGrp="1"/>
+          </p:cNvSpPr>
+          <p:nvPr>
+            <p:ph type="title"/>
+          </p:nvPr>
+        </p:nvSpPr>
+        <p:spPr/>
+        <p:txBody>
+          <a:bodyPr/>
+          <a:lstStyle/>
+          <a:p>
+            <a:r>
+              <a:rPr lang="en-US" altLang="ko-KR" dirty="0"/>
+              <a:t>CPU </a:t>
+            </a:r>
+            <a:r>
+              <a:rPr lang="ko-KR" altLang="en-US" dirty="0"/>
+              <a:t>관리</a:t>
+            </a:r>
+          </a:p>
+        </p:txBody>
+      </p:sp>
+      <p:sp>
+        <p:nvSpPr>
+          <p:cNvPr id="3" name="내용 개체 틀 2">
+            <a:extLst>
+              <a:ext uri="{FF2B5EF4-FFF2-40B4-BE49-F238E27FC236}">
+                <a16:creationId xmlns:a16="http://schemas.microsoft.com/office/drawing/2014/main" id="{52304F30-B1BC-459E-AD30-9C056BC7F2C0}"/>
+              </a:ext>
+            </a:extLst>
+          </p:cNvPr>
+          <p:cNvSpPr>
+            <a:spLocks noGrp="1"/>
+          </p:cNvSpPr>
+          <p:nvPr>
+            <p:ph idx="1"/>
+          </p:nvPr>
+        </p:nvSpPr>
+        <p:spPr/>
+        <p:txBody>
+          <a:bodyPr/>
+          <a:lstStyle/>
+          <a:p>
+            <a:r>
+              <a:rPr lang="en-US" altLang="ko-KR" dirty="0"/>
+              <a:t>Process scheduling</a:t>
+            </a:r>
+          </a:p>
+          <a:p>
+            <a:r>
+              <a:rPr lang="en-US" altLang="ko-KR" dirty="0"/>
+              <a:t>Process/Thread Creation &amp; Termination</a:t>
+            </a:r>
+          </a:p>
+          <a:p>
+            <a:r>
+              <a:rPr lang="en-US" altLang="ko-KR" dirty="0"/>
+              <a:t>Signal handling</a:t>
+            </a:r>
+          </a:p>
+          <a:p>
+            <a:r>
+              <a:rPr lang="en-US" altLang="ko-KR" dirty="0"/>
+              <a:t>Interrupt handling</a:t>
+            </a:r>
+          </a:p>
+          <a:p>
+            <a:r>
+              <a:rPr lang="en-US" altLang="ko-KR" dirty="0"/>
+              <a:t>…</a:t>
+            </a:r>
+          </a:p>
+          <a:p>
+            <a:endParaRPr lang="ko-KR" altLang="en-US" dirty="0"/>
+          </a:p>
+        </p:txBody>
+      </p:sp>
+    </p:spTree>
+    <p:extLst>
+      <p:ext uri="{BB962C8B-B14F-4D97-AF65-F5344CB8AC3E}">
+        <p14:creationId xmlns:p14="http://schemas.microsoft.com/office/powerpoint/2010/main" val="3621136538"/>
+      </p:ext>
+    </p:extLst>
+  </p:cSld>
+  <p:clrMapOvr>
+    <a:masterClrMapping/>
+  </p:clrMapOvr>
+</p:sld>
+</file>
+
+<file path=ppt/slides/slide18.xml><?xml version="1.0" encoding="utf-8"?>
 <p:sld xmlns:a="http://schemas.openxmlformats.org/drawingml/2006/main" xmlns:r="http://schemas.openxmlformats.org/officeDocument/2006/relationships" xmlns:p="http://schemas.openxmlformats.org/presentationml/2006/main">
   <p:cSld>
     <p:spTree>
@@ -5017,7 +5895,7 @@
 </p:sld>
 </file>
 
-<file path=ppt/slides/slide17.xml><?xml version="1.0" encoding="utf-8"?>
+<file path=ppt/slides/slide19.xml><?xml version="1.0" encoding="utf-8"?>
 <p:sld xmlns:a="http://schemas.openxmlformats.org/drawingml/2006/main" xmlns:r="http://schemas.openxmlformats.org/officeDocument/2006/relationships" xmlns:p="http://schemas.openxmlformats.org/presentationml/2006/main">
   <p:cSld>
     <p:spTree>
@@ -5190,7 +6068,7 @@
 </p:sld>
 </file>
 
-<file path=ppt/slides/slide18.xml><?xml version="1.0" encoding="utf-8"?>
+<file path=ppt/slides/slide2.xml><?xml version="1.0" encoding="utf-8"?>
 <p:sld xmlns:a="http://schemas.openxmlformats.org/drawingml/2006/main" xmlns:r="http://schemas.openxmlformats.org/officeDocument/2006/relationships" xmlns:p="http://schemas.openxmlformats.org/presentationml/2006/main">
   <p:cSld>
     <p:spTree>
@@ -5212,6 +6090,124 @@
           <p:cNvPr id="2" name="제목 1">
             <a:extLst>
               <a:ext uri="{FF2B5EF4-FFF2-40B4-BE49-F238E27FC236}">
+                <a16:creationId xmlns:a16="http://schemas.microsoft.com/office/drawing/2014/main" id="{D0177891-E7C6-4705-A8F4-EEC41CFB9518}"/>
+              </a:ext>
+            </a:extLst>
+          </p:cNvPr>
+          <p:cNvSpPr>
+            <a:spLocks noGrp="1"/>
+          </p:cNvSpPr>
+          <p:nvPr>
+            <p:ph type="title"/>
+          </p:nvPr>
+        </p:nvSpPr>
+        <p:spPr/>
+        <p:txBody>
+          <a:bodyPr/>
+          <a:lstStyle/>
+          <a:p>
+            <a:r>
+              <a:rPr lang="en-US" altLang="ko-KR" dirty="0">
+                <a:latin typeface="+mj-ea"/>
+              </a:rPr>
+              <a:t>Contents</a:t>
+            </a:r>
+            <a:endParaRPr lang="ko-KR" altLang="en-US" dirty="0">
+              <a:latin typeface="+mj-ea"/>
+            </a:endParaRPr>
+          </a:p>
+        </p:txBody>
+      </p:sp>
+      <p:sp>
+        <p:nvSpPr>
+          <p:cNvPr id="3" name="내용 개체 틀 2">
+            <a:extLst>
+              <a:ext uri="{FF2B5EF4-FFF2-40B4-BE49-F238E27FC236}">
+                <a16:creationId xmlns:a16="http://schemas.microsoft.com/office/drawing/2014/main" id="{9ABF2DA4-0A9C-426C-8FC7-DEBC6CFBBF96}"/>
+              </a:ext>
+            </a:extLst>
+          </p:cNvPr>
+          <p:cNvSpPr>
+            <a:spLocks noGrp="1"/>
+          </p:cNvSpPr>
+          <p:nvPr>
+            <p:ph idx="1"/>
+          </p:nvPr>
+        </p:nvSpPr>
+        <p:spPr/>
+        <p:txBody>
+          <a:bodyPr/>
+          <a:lstStyle/>
+          <a:p>
+            <a:r>
+              <a:rPr lang="en-US" altLang="ko-KR" dirty="0">
+                <a:latin typeface="+mj-ea"/>
+                <a:ea typeface="+mj-ea"/>
+              </a:rPr>
+              <a:t>Month 1 </a:t>
+            </a:r>
+            <a:r>
+              <a:rPr lang="ko-KR" altLang="en-US" dirty="0">
+                <a:latin typeface="+mj-ea"/>
+                <a:ea typeface="+mj-ea"/>
+              </a:rPr>
+              <a:t>챕터 소개</a:t>
+            </a:r>
+            <a:endParaRPr lang="en-US" altLang="ko-KR" dirty="0">
+              <a:latin typeface="+mj-ea"/>
+              <a:ea typeface="+mj-ea"/>
+            </a:endParaRPr>
+          </a:p>
+          <a:p>
+            <a:r>
+              <a:rPr lang="ko-KR" altLang="en-US" dirty="0">
+                <a:latin typeface="+mj-ea"/>
+                <a:ea typeface="+mj-ea"/>
+              </a:rPr>
+              <a:t>리눅스 커널에 관하여</a:t>
+            </a:r>
+            <a:endParaRPr lang="en-US" altLang="ko-KR" dirty="0">
+              <a:latin typeface="+mj-ea"/>
+              <a:ea typeface="+mj-ea"/>
+            </a:endParaRPr>
+          </a:p>
+        </p:txBody>
+      </p:sp>
+    </p:spTree>
+    <p:extLst>
+      <p:ext uri="{BB962C8B-B14F-4D97-AF65-F5344CB8AC3E}">
+        <p14:creationId xmlns:p14="http://schemas.microsoft.com/office/powerpoint/2010/main" val="2719717026"/>
+      </p:ext>
+    </p:extLst>
+  </p:cSld>
+  <p:clrMapOvr>
+    <a:masterClrMapping/>
+  </p:clrMapOvr>
+</p:sld>
+</file>
+
+<file path=ppt/slides/slide20.xml><?xml version="1.0" encoding="utf-8"?>
+<p:sld xmlns:a="http://schemas.openxmlformats.org/drawingml/2006/main" xmlns:r="http://schemas.openxmlformats.org/officeDocument/2006/relationships" xmlns:p="http://schemas.openxmlformats.org/presentationml/2006/main">
+  <p:cSld>
+    <p:spTree>
+      <p:nvGrpSpPr>
+        <p:cNvPr id="1" name=""/>
+        <p:cNvGrpSpPr/>
+        <p:nvPr/>
+      </p:nvGrpSpPr>
+      <p:grpSpPr>
+        <a:xfrm>
+          <a:off x="0" y="0"/>
+          <a:ext cx="0" cy="0"/>
+          <a:chOff x="0" y="0"/>
+          <a:chExt cx="0" cy="0"/>
+        </a:xfrm>
+      </p:grpSpPr>
+      <p:sp>
+        <p:nvSpPr>
+          <p:cNvPr id="2" name="제목 1">
+            <a:extLst>
+              <a:ext uri="{FF2B5EF4-FFF2-40B4-BE49-F238E27FC236}">
                 <a16:creationId xmlns:a16="http://schemas.microsoft.com/office/drawing/2014/main" id="{F0FC837A-3DBB-40ED-A663-79BE7FAB820B}"/>
               </a:ext>
             </a:extLst>
@@ -5260,7 +6256,7 @@
         </p:spPr>
         <p:txBody>
           <a:bodyPr>
-            <a:normAutofit lnSpcReduction="10000"/>
+            <a:normAutofit fontScale="92500"/>
           </a:bodyPr>
           <a:lstStyle/>
           <a:p>
@@ -5303,7 +6299,7 @@
 </p:sld>
 </file>
 
-<file path=ppt/slides/slide19.xml><?xml version="1.0" encoding="utf-8"?>
+<file path=ppt/slides/slide21.xml><?xml version="1.0" encoding="utf-8"?>
 <p:sld xmlns:a="http://schemas.openxmlformats.org/drawingml/2006/main" xmlns:r="http://schemas.openxmlformats.org/officeDocument/2006/relationships" xmlns:p="http://schemas.openxmlformats.org/presentationml/2006/main">
   <p:cSld>
     <p:spTree>
@@ -5409,106 +6405,7 @@
 </p:sld>
 </file>
 
-<file path=ppt/slides/slide2.xml><?xml version="1.0" encoding="utf-8"?>
-<p:sld xmlns:a="http://schemas.openxmlformats.org/drawingml/2006/main" xmlns:r="http://schemas.openxmlformats.org/officeDocument/2006/relationships" xmlns:p="http://schemas.openxmlformats.org/presentationml/2006/main">
-  <p:cSld>
-    <p:spTree>
-      <p:nvGrpSpPr>
-        <p:cNvPr id="1" name=""/>
-        <p:cNvGrpSpPr/>
-        <p:nvPr/>
-      </p:nvGrpSpPr>
-      <p:grpSpPr>
-        <a:xfrm>
-          <a:off x="0" y="0"/>
-          <a:ext cx="0" cy="0"/>
-          <a:chOff x="0" y="0"/>
-          <a:chExt cx="0" cy="0"/>
-        </a:xfrm>
-      </p:grpSpPr>
-      <p:sp>
-        <p:nvSpPr>
-          <p:cNvPr id="2" name="제목 1">
-            <a:extLst>
-              <a:ext uri="{FF2B5EF4-FFF2-40B4-BE49-F238E27FC236}">
-                <a16:creationId xmlns:a16="http://schemas.microsoft.com/office/drawing/2014/main" id="{D0177891-E7C6-4705-A8F4-EEC41CFB9518}"/>
-              </a:ext>
-            </a:extLst>
-          </p:cNvPr>
-          <p:cNvSpPr>
-            <a:spLocks noGrp="1"/>
-          </p:cNvSpPr>
-          <p:nvPr>
-            <p:ph type="title"/>
-          </p:nvPr>
-        </p:nvSpPr>
-        <p:spPr/>
-        <p:txBody>
-          <a:bodyPr/>
-          <a:lstStyle/>
-          <a:p>
-            <a:r>
-              <a:rPr lang="en-US" altLang="ko-KR" dirty="0"/>
-              <a:t>Contents</a:t>
-            </a:r>
-            <a:endParaRPr lang="ko-KR" altLang="en-US" dirty="0"/>
-          </a:p>
-        </p:txBody>
-      </p:sp>
-      <p:sp>
-        <p:nvSpPr>
-          <p:cNvPr id="3" name="내용 개체 틀 2">
-            <a:extLst>
-              <a:ext uri="{FF2B5EF4-FFF2-40B4-BE49-F238E27FC236}">
-                <a16:creationId xmlns:a16="http://schemas.microsoft.com/office/drawing/2014/main" id="{9ABF2DA4-0A9C-426C-8FC7-DEBC6CFBBF96}"/>
-              </a:ext>
-            </a:extLst>
-          </p:cNvPr>
-          <p:cNvSpPr>
-            <a:spLocks noGrp="1"/>
-          </p:cNvSpPr>
-          <p:nvPr>
-            <p:ph idx="1"/>
-          </p:nvPr>
-        </p:nvSpPr>
-        <p:spPr/>
-        <p:txBody>
-          <a:bodyPr/>
-          <a:lstStyle/>
-          <a:p>
-            <a:r>
-              <a:rPr lang="en-US" altLang="ko-KR" dirty="0"/>
-              <a:t>Month 1 </a:t>
-            </a:r>
-            <a:r>
-              <a:rPr lang="ko-KR" altLang="en-US" dirty="0"/>
-              <a:t>챕터 소개</a:t>
-            </a:r>
-            <a:endParaRPr lang="en-US" altLang="ko-KR" dirty="0"/>
-          </a:p>
-          <a:p>
-            <a:r>
-              <a:rPr lang="ko-KR" altLang="en-US" dirty="0"/>
-              <a:t>리눅스 커널에 관하여</a:t>
-            </a:r>
-            <a:endParaRPr lang="en-US" altLang="ko-KR" dirty="0"/>
-          </a:p>
-        </p:txBody>
-      </p:sp>
-    </p:spTree>
-    <p:extLst>
-      <p:ext uri="{BB962C8B-B14F-4D97-AF65-F5344CB8AC3E}">
-        <p14:creationId xmlns:p14="http://schemas.microsoft.com/office/powerpoint/2010/main" val="2719717026"/>
-      </p:ext>
-    </p:extLst>
-  </p:cSld>
-  <p:clrMapOvr>
-    <a:masterClrMapping/>
-  </p:clrMapOvr>
-</p:sld>
-</file>
-
-<file path=ppt/slides/slide20.xml><?xml version="1.0" encoding="utf-8"?>
+<file path=ppt/slides/slide22.xml><?xml version="1.0" encoding="utf-8"?>
 <p:sld xmlns:a="http://schemas.openxmlformats.org/drawingml/2006/main" xmlns:r="http://schemas.openxmlformats.org/officeDocument/2006/relationships" xmlns:p="http://schemas.openxmlformats.org/presentationml/2006/main">
   <p:cSld>
     <p:spTree>
@@ -5613,6 +6510,196 @@
 </p:sld>
 </file>
 
+<file path=ppt/slides/slide23.xml><?xml version="1.0" encoding="utf-8"?>
+<p:sld xmlns:a="http://schemas.openxmlformats.org/drawingml/2006/main" xmlns:r="http://schemas.openxmlformats.org/officeDocument/2006/relationships" xmlns:p="http://schemas.openxmlformats.org/presentationml/2006/main">
+  <p:cSld>
+    <p:spTree>
+      <p:nvGrpSpPr>
+        <p:cNvPr id="1" name=""/>
+        <p:cNvGrpSpPr/>
+        <p:nvPr/>
+      </p:nvGrpSpPr>
+      <p:grpSpPr>
+        <a:xfrm>
+          <a:off x="0" y="0"/>
+          <a:ext cx="0" cy="0"/>
+          <a:chOff x="0" y="0"/>
+          <a:chExt cx="0" cy="0"/>
+        </a:xfrm>
+      </p:grpSpPr>
+      <p:sp>
+        <p:nvSpPr>
+          <p:cNvPr id="2" name="제목 1">
+            <a:extLst>
+              <a:ext uri="{FF2B5EF4-FFF2-40B4-BE49-F238E27FC236}">
+                <a16:creationId xmlns:a16="http://schemas.microsoft.com/office/drawing/2014/main" id="{4CEF9C31-BCEC-4E9F-8CCD-FEFC50059C9F}"/>
+              </a:ext>
+            </a:extLst>
+          </p:cNvPr>
+          <p:cNvSpPr>
+            <a:spLocks noGrp="1"/>
+          </p:cNvSpPr>
+          <p:nvPr>
+            <p:ph type="title"/>
+          </p:nvPr>
+        </p:nvSpPr>
+        <p:spPr/>
+        <p:txBody>
+          <a:bodyPr/>
+          <a:lstStyle/>
+          <a:p>
+            <a:r>
+              <a:rPr lang="ko-KR" altLang="en-US" dirty="0"/>
+              <a:t>이것도 보세요</a:t>
+            </a:r>
+          </a:p>
+        </p:txBody>
+      </p:sp>
+      <p:sp>
+        <p:nvSpPr>
+          <p:cNvPr id="3" name="내용 개체 틀 2">
+            <a:extLst>
+              <a:ext uri="{FF2B5EF4-FFF2-40B4-BE49-F238E27FC236}">
+                <a16:creationId xmlns:a16="http://schemas.microsoft.com/office/drawing/2014/main" id="{22310907-94E8-47B3-8771-1D48564E9F97}"/>
+              </a:ext>
+            </a:extLst>
+          </p:cNvPr>
+          <p:cNvSpPr>
+            <a:spLocks noGrp="1"/>
+          </p:cNvSpPr>
+          <p:nvPr>
+            <p:ph idx="1"/>
+          </p:nvPr>
+        </p:nvSpPr>
+        <p:spPr/>
+        <p:txBody>
+          <a:bodyPr/>
+          <a:lstStyle/>
+          <a:p>
+            <a:r>
+              <a:rPr lang="en-US" altLang="ko-KR" dirty="0"/>
+              <a:t>[ YouTube ] The mind behind </a:t>
+            </a:r>
+            <a:r>
+              <a:rPr lang="en-US" altLang="ko-KR" dirty="0" err="1"/>
+              <a:t>linux</a:t>
+            </a:r>
+            <a:endParaRPr lang="en-US" altLang="ko-KR" dirty="0"/>
+          </a:p>
+          <a:p>
+            <a:r>
+              <a:rPr lang="en-US" altLang="ko-KR" dirty="0"/>
+              <a:t>[ YouTube ] My First Line of Code</a:t>
+            </a:r>
+          </a:p>
+          <a:p>
+            <a:endParaRPr lang="ko-KR" altLang="en-US" dirty="0"/>
+          </a:p>
+        </p:txBody>
+      </p:sp>
+    </p:spTree>
+    <p:extLst>
+      <p:ext uri="{BB962C8B-B14F-4D97-AF65-F5344CB8AC3E}">
+        <p14:creationId xmlns:p14="http://schemas.microsoft.com/office/powerpoint/2010/main" val="2957997106"/>
+      </p:ext>
+    </p:extLst>
+  </p:cSld>
+  <p:clrMapOvr>
+    <a:masterClrMapping/>
+  </p:clrMapOvr>
+</p:sld>
+</file>
+
+<file path=ppt/slides/slide24.xml><?xml version="1.0" encoding="utf-8"?>
+<p:sld xmlns:a="http://schemas.openxmlformats.org/drawingml/2006/main" xmlns:r="http://schemas.openxmlformats.org/officeDocument/2006/relationships" xmlns:p="http://schemas.openxmlformats.org/presentationml/2006/main">
+  <p:cSld>
+    <p:spTree>
+      <p:nvGrpSpPr>
+        <p:cNvPr id="1" name=""/>
+        <p:cNvGrpSpPr/>
+        <p:nvPr/>
+      </p:nvGrpSpPr>
+      <p:grpSpPr>
+        <a:xfrm>
+          <a:off x="0" y="0"/>
+          <a:ext cx="0" cy="0"/>
+          <a:chOff x="0" y="0"/>
+          <a:chExt cx="0" cy="0"/>
+        </a:xfrm>
+      </p:grpSpPr>
+      <p:sp>
+        <p:nvSpPr>
+          <p:cNvPr id="2" name="제목 1">
+            <a:extLst>
+              <a:ext uri="{FF2B5EF4-FFF2-40B4-BE49-F238E27FC236}">
+                <a16:creationId xmlns:a16="http://schemas.microsoft.com/office/drawing/2014/main" id="{220046C2-38D0-4AE0-A51E-9D6C521A013E}"/>
+              </a:ext>
+            </a:extLst>
+          </p:cNvPr>
+          <p:cNvSpPr>
+            <a:spLocks noGrp="1"/>
+          </p:cNvSpPr>
+          <p:nvPr>
+            <p:ph type="title"/>
+          </p:nvPr>
+        </p:nvSpPr>
+        <p:spPr/>
+        <p:txBody>
+          <a:bodyPr/>
+          <a:lstStyle/>
+          <a:p>
+            <a:r>
+              <a:rPr lang="en-US" altLang="ko-KR" dirty="0"/>
+              <a:t>Any Question?</a:t>
+            </a:r>
+            <a:endParaRPr lang="ko-KR" altLang="en-US" dirty="0"/>
+          </a:p>
+        </p:txBody>
+      </p:sp>
+      <p:sp>
+        <p:nvSpPr>
+          <p:cNvPr id="3" name="내용 개체 틀 2">
+            <a:extLst>
+              <a:ext uri="{FF2B5EF4-FFF2-40B4-BE49-F238E27FC236}">
+                <a16:creationId xmlns:a16="http://schemas.microsoft.com/office/drawing/2014/main" id="{8C282966-E645-4EF0-8F43-010E656807B9}"/>
+              </a:ext>
+            </a:extLst>
+          </p:cNvPr>
+          <p:cNvSpPr>
+            <a:spLocks noGrp="1"/>
+          </p:cNvSpPr>
+          <p:nvPr>
+            <p:ph idx="1"/>
+          </p:nvPr>
+        </p:nvSpPr>
+        <p:spPr/>
+        <p:txBody>
+          <a:bodyPr/>
+          <a:lstStyle/>
+          <a:p>
+            <a:r>
+              <a:rPr lang="en-US" altLang="ko-KR" dirty="0">
+                <a:sym typeface="Wingdings" panose="05000000000000000000" pitchFamily="2" charset="2"/>
+              </a:rPr>
+              <a:t></a:t>
+            </a:r>
+            <a:endParaRPr lang="ko-KR" altLang="en-US" dirty="0"/>
+          </a:p>
+        </p:txBody>
+      </p:sp>
+    </p:spTree>
+    <p:extLst>
+      <p:ext uri="{BB962C8B-B14F-4D97-AF65-F5344CB8AC3E}">
+        <p14:creationId xmlns:p14="http://schemas.microsoft.com/office/powerpoint/2010/main" val="2212498410"/>
+      </p:ext>
+    </p:extLst>
+  </p:cSld>
+  <p:clrMapOvr>
+    <a:masterClrMapping/>
+  </p:clrMapOvr>
+</p:sld>
+</file>
+
 <file path=ppt/slides/slide3.xml><?xml version="1.0" encoding="utf-8"?>
 <p:sld xmlns:a="http://schemas.openxmlformats.org/drawingml/2006/main" xmlns:r="http://schemas.openxmlformats.org/officeDocument/2006/relationships" xmlns:p="http://schemas.openxmlformats.org/presentationml/2006/main">
   <p:cSld>
@@ -5652,11 +6739,15 @@
           <a:lstStyle/>
           <a:p>
             <a:r>
-              <a:rPr lang="en-US" altLang="ko-KR" dirty="0"/>
+              <a:rPr lang="en-US" altLang="ko-KR" dirty="0">
+                <a:latin typeface="+mj-ea"/>
+              </a:rPr>
               <a:t>Month 1 </a:t>
             </a:r>
             <a:r>
-              <a:rPr lang="ko-KR" altLang="en-US" dirty="0"/>
+              <a:rPr lang="ko-KR" altLang="en-US" dirty="0">
+                <a:latin typeface="+mj-ea"/>
+              </a:rPr>
               <a:t>챕터 소개</a:t>
             </a:r>
           </a:p>
@@ -5961,7 +7052,9 @@
           <a:lstStyle/>
           <a:p>
             <a:r>
-              <a:rPr lang="ko-KR" altLang="en-US" dirty="0"/>
+              <a:rPr lang="ko-KR" altLang="en-US" dirty="0">
+                <a:latin typeface="+mj-ea"/>
+              </a:rPr>
               <a:t>리눅스 커널에 관하여</a:t>
             </a:r>
           </a:p>
@@ -5996,11 +7089,17 @@
           <a:lstStyle/>
           <a:p>
             <a:r>
-              <a:rPr lang="ko-KR" altLang="en-US" sz="2400" b="1" dirty="0"/>
+              <a:rPr lang="ko-KR" altLang="en-US" sz="2400" b="1" dirty="0">
+                <a:latin typeface="+mj-ea"/>
+                <a:ea typeface="+mj-ea"/>
+              </a:rPr>
               <a:t>리눅스 커널</a:t>
             </a:r>
             <a:r>
-              <a:rPr lang="ko-KR" altLang="en-US" sz="2400" dirty="0"/>
+              <a:rPr lang="ko-KR" altLang="en-US" sz="2400" dirty="0">
+                <a:latin typeface="+mj-ea"/>
+                <a:ea typeface="+mj-ea"/>
+              </a:rPr>
               <a:t>은 오픈소스 </a:t>
             </a:r>
             <a:r>
@@ -6008,6 +7107,8 @@
                 <a:highlight>
                   <a:srgbClr val="800080"/>
                 </a:highlight>
+                <a:latin typeface="+mj-ea"/>
+                <a:ea typeface="+mj-ea"/>
               </a:rPr>
               <a:t>모놀리딕</a:t>
             </a:r>
@@ -6016,18 +7117,29 @@
                 <a:highlight>
                   <a:srgbClr val="800080"/>
                 </a:highlight>
+                <a:latin typeface="+mj-ea"/>
+                <a:ea typeface="+mj-ea"/>
               </a:rPr>
               <a:t> 유닉스 계열</a:t>
             </a:r>
             <a:r>
-              <a:rPr lang="ko-KR" altLang="en-US" sz="2400" dirty="0"/>
+              <a:rPr lang="ko-KR" altLang="en-US" sz="2400" dirty="0">
+                <a:latin typeface="+mj-ea"/>
+                <a:ea typeface="+mj-ea"/>
+              </a:rPr>
               <a:t> 컴퓨터 운영체제 커널이다</a:t>
             </a:r>
             <a:r>
-              <a:rPr lang="en-US" altLang="ko-KR" sz="2400" dirty="0"/>
+              <a:rPr lang="en-US" altLang="ko-KR" sz="2400" dirty="0">
+                <a:latin typeface="+mj-ea"/>
+                <a:ea typeface="+mj-ea"/>
+              </a:rPr>
               <a:t>.</a:t>
             </a:r>
-            <a:endParaRPr lang="ko-KR" altLang="en-US" sz="2400" dirty="0"/>
+            <a:endParaRPr lang="ko-KR" altLang="en-US" sz="2400" dirty="0">
+              <a:latin typeface="+mj-ea"/>
+              <a:ea typeface="+mj-ea"/>
+            </a:endParaRPr>
           </a:p>
         </p:txBody>
       </p:sp>
@@ -6083,18 +7195,26 @@
           <a:lstStyle/>
           <a:p>
             <a:r>
-              <a:rPr lang="en-US" altLang="ko-KR" dirty="0"/>
+              <a:rPr lang="en-US" altLang="ko-KR" dirty="0">
+                <a:latin typeface="+mj-ea"/>
+              </a:rPr>
               <a:t>Monolithic kernel ( </a:t>
             </a:r>
             <a:r>
-              <a:rPr lang="ko-KR" altLang="en-US" dirty="0"/>
+              <a:rPr lang="ko-KR" altLang="en-US" dirty="0">
+                <a:latin typeface="+mj-ea"/>
+              </a:rPr>
               <a:t>단일형 커널 </a:t>
             </a:r>
             <a:r>
-              <a:rPr lang="en-US" altLang="ko-KR" dirty="0"/>
+              <a:rPr lang="en-US" altLang="ko-KR" dirty="0">
+                <a:latin typeface="+mj-ea"/>
+              </a:rPr>
               <a:t>)</a:t>
             </a:r>
-            <a:endParaRPr lang="ko-KR" altLang="en-US" dirty="0"/>
+            <a:endParaRPr lang="ko-KR" altLang="en-US" dirty="0">
+              <a:latin typeface="+mj-ea"/>
+            </a:endParaRPr>
           </a:p>
         </p:txBody>
       </p:sp>
@@ -6112,8 +7232,8 @@
         </p:nvSpPr>
         <p:spPr>
           <a:xfrm>
-            <a:off x="1005504" y="2947256"/>
-            <a:ext cx="10180992" cy="707886"/>
+            <a:off x="825967" y="2947256"/>
+            <a:ext cx="10540066" cy="707886"/>
           </a:xfrm>
           <a:prstGeom prst="rect">
             <a:avLst/>
@@ -6128,26 +7248,44 @@
           <a:p>
             <a:pPr algn="ctr"/>
             <a:r>
-              <a:rPr lang="ko-KR" altLang="en-US" sz="2000" dirty="0"/>
+              <a:rPr lang="ko-KR" altLang="en-US" sz="2000" dirty="0">
+                <a:latin typeface="+mj-ea"/>
+                <a:ea typeface="+mj-ea"/>
+              </a:rPr>
               <a:t>입출력 기능</a:t>
             </a:r>
             <a:r>
-              <a:rPr lang="en-US" altLang="ko-KR" sz="2000" dirty="0"/>
+              <a:rPr lang="en-US" altLang="ko-KR" sz="2000" dirty="0">
+                <a:latin typeface="+mj-ea"/>
+                <a:ea typeface="+mj-ea"/>
+              </a:rPr>
               <a:t>, </a:t>
             </a:r>
             <a:r>
-              <a:rPr lang="ko-KR" altLang="en-US" sz="2000" dirty="0"/>
+              <a:rPr lang="ko-KR" altLang="en-US" sz="2000" dirty="0">
+                <a:latin typeface="+mj-ea"/>
+                <a:ea typeface="+mj-ea"/>
+              </a:rPr>
               <a:t>네트워크 기능</a:t>
             </a:r>
             <a:r>
-              <a:rPr lang="en-US" altLang="ko-KR" sz="2000" dirty="0"/>
+              <a:rPr lang="en-US" altLang="ko-KR" sz="2000" dirty="0">
+                <a:latin typeface="+mj-ea"/>
+                <a:ea typeface="+mj-ea"/>
+              </a:rPr>
               <a:t>, </a:t>
             </a:r>
             <a:r>
-              <a:rPr lang="ko-KR" altLang="en-US" sz="2000" dirty="0"/>
+              <a:rPr lang="ko-KR" altLang="en-US" sz="2000" dirty="0">
+                <a:latin typeface="+mj-ea"/>
+                <a:ea typeface="+mj-ea"/>
+              </a:rPr>
               <a:t>장치 지원 등</a:t>
             </a:r>
-            <a:endParaRPr lang="en-US" altLang="ko-KR" sz="2000" dirty="0"/>
+            <a:endParaRPr lang="en-US" altLang="ko-KR" sz="2000" dirty="0">
+              <a:latin typeface="+mj-ea"/>
+              <a:ea typeface="+mj-ea"/>
+            </a:endParaRPr>
           </a:p>
           <a:p>
             <a:pPr algn="ctr"/>
@@ -6156,6 +7294,8 @@
                 <a:highlight>
                   <a:srgbClr val="800080"/>
                 </a:highlight>
+                <a:latin typeface="+mj-ea"/>
+                <a:ea typeface="+mj-ea"/>
               </a:rPr>
               <a:t>운영 체제의 일반적인 기능을 커널과 동일한 메모리 공간에 적재</a:t>
             </a:r>
@@ -6164,6 +7304,8 @@
                 <a:highlight>
                   <a:srgbClr val="800080"/>
                 </a:highlight>
+                <a:latin typeface="+mj-ea"/>
+                <a:ea typeface="+mj-ea"/>
               </a:rPr>
               <a:t>, </a:t>
             </a:r>
@@ -6172,6 +7314,8 @@
                 <a:highlight>
                   <a:srgbClr val="800080"/>
                 </a:highlight>
+                <a:latin typeface="+mj-ea"/>
+                <a:ea typeface="+mj-ea"/>
               </a:rPr>
               <a:t>실행하는 기법을 말한다</a:t>
             </a:r>
@@ -6180,6 +7324,8 @@
                 <a:highlight>
                   <a:srgbClr val="800080"/>
                 </a:highlight>
+                <a:latin typeface="+mj-ea"/>
+                <a:ea typeface="+mj-ea"/>
               </a:rPr>
               <a:t>.</a:t>
             </a:r>
@@ -6187,6 +7333,8 @@
               <a:highlight>
                 <a:srgbClr val="800080"/>
               </a:highlight>
+              <a:latin typeface="+mj-ea"/>
+              <a:ea typeface="+mj-ea"/>
             </a:endParaRPr>
           </a:p>
         </p:txBody>
@@ -6205,8 +7353,8 @@
         </p:nvSpPr>
         <p:spPr>
           <a:xfrm>
-            <a:off x="1736473" y="3841973"/>
-            <a:ext cx="8719054" cy="707886"/>
+            <a:off x="1596210" y="3841973"/>
+            <a:ext cx="8999580" cy="707886"/>
           </a:xfrm>
           <a:prstGeom prst="rect">
             <a:avLst/>
@@ -6221,33 +7369,54 @@
           <a:p>
             <a:pPr algn="ctr"/>
             <a:r>
-              <a:rPr lang="ko-KR" altLang="en-US" sz="2000" dirty="0"/>
+              <a:rPr lang="ko-KR" altLang="en-US" sz="2000" dirty="0">
+                <a:latin typeface="+mj-ea"/>
+                <a:ea typeface="+mj-ea"/>
+              </a:rPr>
               <a:t>사실 되게 일반적인 아이디어지만</a:t>
             </a:r>
             <a:r>
-              <a:rPr lang="en-US" altLang="ko-KR" sz="2000" dirty="0"/>
+              <a:rPr lang="en-US" altLang="ko-KR" sz="2000" dirty="0">
+                <a:latin typeface="+mj-ea"/>
+                <a:ea typeface="+mj-ea"/>
+              </a:rPr>
               <a:t>,</a:t>
             </a:r>
           </a:p>
           <a:p>
             <a:pPr algn="ctr"/>
             <a:r>
-              <a:rPr lang="ko-KR" altLang="en-US" sz="2000" dirty="0"/>
+              <a:rPr lang="ko-KR" altLang="en-US" sz="2000" dirty="0">
+                <a:latin typeface="+mj-ea"/>
+                <a:ea typeface="+mj-ea"/>
+              </a:rPr>
               <a:t>이는 </a:t>
             </a:r>
             <a:r>
-              <a:rPr lang="ko-KR" altLang="en-US" sz="2000" b="1" dirty="0"/>
+              <a:rPr lang="ko-KR" altLang="en-US" sz="2000" b="1" dirty="0">
+                <a:latin typeface="+mj-ea"/>
+                <a:ea typeface="+mj-ea"/>
+              </a:rPr>
               <a:t>마이크로 커널</a:t>
             </a:r>
             <a:r>
-              <a:rPr lang="ko-KR" altLang="en-US" sz="2000" dirty="0"/>
+              <a:rPr lang="ko-KR" altLang="en-US" sz="2000" dirty="0">
+                <a:latin typeface="+mj-ea"/>
+                <a:ea typeface="+mj-ea"/>
+              </a:rPr>
               <a:t>이란 개념이 등장하며 그 반대의 개념으로 이름 지어졌다</a:t>
             </a:r>
             <a:r>
-              <a:rPr lang="en-US" altLang="ko-KR" sz="2000" dirty="0"/>
+              <a:rPr lang="en-US" altLang="ko-KR" sz="2000" dirty="0">
+                <a:latin typeface="+mj-ea"/>
+                <a:ea typeface="+mj-ea"/>
+              </a:rPr>
               <a:t>.</a:t>
             </a:r>
-            <a:endParaRPr lang="ko-KR" altLang="en-US" sz="2000" dirty="0"/>
+            <a:endParaRPr lang="ko-KR" altLang="en-US" sz="2000" dirty="0">
+              <a:latin typeface="+mj-ea"/>
+              <a:ea typeface="+mj-ea"/>
+            </a:endParaRPr>
           </a:p>
         </p:txBody>
       </p:sp>
@@ -6387,7 +7556,7 @@
           <p:cNvPr id="2" name="제목 1">
             <a:extLst>
               <a:ext uri="{FF2B5EF4-FFF2-40B4-BE49-F238E27FC236}">
-                <a16:creationId xmlns:a16="http://schemas.microsoft.com/office/drawing/2014/main" id="{9417ABF6-1927-4EC7-AF16-81333B25D42B}"/>
+                <a16:creationId xmlns:a16="http://schemas.microsoft.com/office/drawing/2014/main" id="{D3B94FE0-642D-46FC-85B5-6755B77E9C04}"/>
               </a:ext>
             </a:extLst>
           </p:cNvPr>
@@ -6404,10 +7573,14 @@
           <a:lstStyle/>
           <a:p>
             <a:r>
-              <a:rPr lang="en-US" altLang="ko-KR" dirty="0"/>
-              <a:t>Monolithic kernel vs Micro kernel</a:t>
-            </a:r>
-            <a:endParaRPr lang="ko-KR" altLang="en-US" dirty="0"/>
+              <a:rPr lang="en-US" altLang="ko-KR" dirty="0">
+                <a:latin typeface="+mj-ea"/>
+              </a:rPr>
+              <a:t>Micro kernel?</a:t>
+            </a:r>
+            <a:endParaRPr lang="ko-KR" altLang="en-US" dirty="0">
+              <a:latin typeface="+mj-ea"/>
+            </a:endParaRPr>
           </a:p>
         </p:txBody>
       </p:sp>
@@ -6416,7 +7589,7 @@
           <p:cNvPr id="3" name="내용 개체 틀 2">
             <a:extLst>
               <a:ext uri="{FF2B5EF4-FFF2-40B4-BE49-F238E27FC236}">
-                <a16:creationId xmlns:a16="http://schemas.microsoft.com/office/drawing/2014/main" id="{D0EEF6D1-98A3-41F7-AC8B-B0665901DC4D}"/>
+                <a16:creationId xmlns:a16="http://schemas.microsoft.com/office/drawing/2014/main" id="{B079C7DF-8060-49E9-AB18-77F68514F4F3}"/>
               </a:ext>
             </a:extLst>
           </p:cNvPr>
@@ -6427,141 +7600,118 @@
             <p:ph idx="1"/>
           </p:nvPr>
         </p:nvSpPr>
-        <p:spPr>
-          <a:xfrm>
-            <a:off x="838200" y="1825625"/>
-            <a:ext cx="10515600" cy="4351338"/>
-          </a:xfrm>
-        </p:spPr>
-        <p:txBody>
-          <a:bodyPr>
-            <a:normAutofit lnSpcReduction="10000"/>
-          </a:bodyPr>
-          <a:lstStyle/>
-          <a:p>
-            <a:pPr marL="0" indent="0">
-              <a:buNone/>
-            </a:pPr>
-            <a:r>
-              <a:rPr lang="en-US" altLang="ko-KR" dirty="0"/>
-              <a:t>1992</a:t>
-            </a:r>
-            <a:r>
-              <a:rPr lang="ko-KR" altLang="en-US" dirty="0"/>
-              <a:t>년 리눅스 </a:t>
-            </a:r>
-            <a:r>
-              <a:rPr lang="ko-KR" altLang="en-US" dirty="0" err="1"/>
-              <a:t>토발즈</a:t>
-            </a:r>
-            <a:r>
-              <a:rPr lang="ko-KR" altLang="en-US" dirty="0"/>
+        <p:spPr/>
+        <p:txBody>
+          <a:bodyPr/>
+          <a:lstStyle/>
+          <a:p>
+            <a:r>
+              <a:rPr lang="en-US" altLang="ko-KR" dirty="0" err="1">
+                <a:latin typeface="+mj-ea"/>
+                <a:ea typeface="+mj-ea"/>
+              </a:rPr>
+              <a:t>Minix</a:t>
+            </a:r>
+            <a:endParaRPr lang="en-US" altLang="ko-KR" dirty="0">
+              <a:latin typeface="+mj-ea"/>
+              <a:ea typeface="+mj-ea"/>
+            </a:endParaRPr>
+          </a:p>
+          <a:p>
+            <a:r>
+              <a:rPr lang="en-US" altLang="ko-KR" dirty="0" err="1">
+                <a:latin typeface="+mj-ea"/>
+                <a:ea typeface="+mj-ea"/>
+              </a:rPr>
+              <a:t>Trustonic</a:t>
+            </a:r>
+            <a:r>
+              <a:rPr lang="en-US" altLang="ko-KR" dirty="0">
+                <a:latin typeface="+mj-ea"/>
+                <a:ea typeface="+mj-ea"/>
+              </a:rPr>
               <a:t> </a:t>
             </a:r>
             <a:r>
-              <a:rPr lang="en-US" altLang="ko-KR" dirty="0"/>
-              <a:t>vs. </a:t>
-            </a:r>
-            <a:r>
-              <a:rPr lang="ko-KR" altLang="en-US" dirty="0" err="1"/>
-              <a:t>앤드루</a:t>
-            </a:r>
-            <a:r>
-              <a:rPr lang="ko-KR" altLang="en-US" dirty="0"/>
+              <a:rPr lang="en-US" altLang="ko-KR" dirty="0" err="1">
+                <a:latin typeface="+mj-ea"/>
+                <a:ea typeface="+mj-ea"/>
+              </a:rPr>
+              <a:t>Kinibi</a:t>
+            </a:r>
+            <a:r>
+              <a:rPr lang="en-US" altLang="ko-KR" dirty="0">
+                <a:latin typeface="+mj-ea"/>
+                <a:ea typeface="+mj-ea"/>
+              </a:rPr>
+              <a:t> OS (KNOX </a:t>
+            </a:r>
+            <a:r>
+              <a:rPr lang="en-US" altLang="ko-KR" dirty="0" err="1">
+                <a:latin typeface="+mj-ea"/>
+                <a:ea typeface="+mj-ea"/>
+              </a:rPr>
+              <a:t>TrustZone</a:t>
+            </a:r>
+            <a:r>
+              <a:rPr lang="en-US" altLang="ko-KR" dirty="0">
+                <a:latin typeface="+mj-ea"/>
+                <a:ea typeface="+mj-ea"/>
+              </a:rPr>
+              <a:t> OS)</a:t>
+            </a:r>
+          </a:p>
+          <a:p>
+            <a:r>
+              <a:rPr lang="en-US" altLang="ko-KR" dirty="0">
+                <a:latin typeface="+mj-ea"/>
+                <a:ea typeface="+mj-ea"/>
+              </a:rPr>
+              <a:t>Google</a:t>
+            </a:r>
+            <a:r>
+              <a:rPr lang="ko-KR" altLang="en-US" dirty="0">
+                <a:latin typeface="+mj-ea"/>
+                <a:ea typeface="+mj-ea"/>
+              </a:rPr>
               <a:t> </a:t>
             </a:r>
             <a:r>
-              <a:rPr lang="ko-KR" altLang="en-US" dirty="0" err="1"/>
-              <a:t>타넨바움</a:t>
-            </a:r>
-            <a:r>
-              <a:rPr lang="ko-KR" altLang="en-US" dirty="0"/>
-              <a:t> 논쟁</a:t>
-            </a:r>
-            <a:endParaRPr lang="en-US" altLang="ko-KR" dirty="0"/>
-          </a:p>
-          <a:p>
-            <a:pPr marL="0" indent="0">
-              <a:buNone/>
-            </a:pPr>
-            <a:r>
               <a:rPr lang="en-US" altLang="ko-KR" dirty="0">
-                <a:hlinkClick r:id="rId2"/>
-              </a:rPr>
-              <a:t>https://groups.google.com/forum/?hl=ko#!search/comp.os.minix/comp.os.minix/wlhw16QWltI/XdksCA1TR_QJ</a:t>
-            </a:r>
-            <a:endParaRPr lang="en-US" altLang="ko-KR" dirty="0"/>
-          </a:p>
-          <a:p>
-            <a:pPr marL="0" indent="0">
-              <a:buNone/>
-            </a:pPr>
-            <a:endParaRPr lang="en-US" altLang="ko-KR" dirty="0"/>
-          </a:p>
-          <a:p>
-            <a:pPr marL="0" indent="0">
-              <a:buNone/>
-            </a:pPr>
-            <a:r>
-              <a:rPr lang="ko-KR" altLang="en-US" dirty="0"/>
-              <a:t>놀랍게도 제목이 </a:t>
-            </a:r>
+                <a:latin typeface="+mj-ea"/>
+                <a:ea typeface="+mj-ea"/>
+              </a:rPr>
+              <a:t>Fuchsia – Zircon micro kernel</a:t>
+            </a:r>
+          </a:p>
+          <a:p>
             <a:r>
               <a:rPr lang="en-US" altLang="ko-KR" dirty="0">
-                <a:highlight>
-                  <a:srgbClr val="800080"/>
-                </a:highlight>
-              </a:rPr>
-              <a:t>“</a:t>
-            </a:r>
-            <a:r>
-              <a:rPr lang="en-US" altLang="ko-KR" b="1" dirty="0">
-                <a:highlight>
-                  <a:srgbClr val="800080"/>
-                </a:highlight>
-              </a:rPr>
-              <a:t>Linux is obsolete</a:t>
-            </a:r>
+                <a:latin typeface="+mj-ea"/>
+                <a:ea typeface="+mj-ea"/>
+              </a:rPr>
+              <a:t>VxWorks</a:t>
+            </a:r>
+          </a:p>
+          <a:p>
             <a:r>
               <a:rPr lang="en-US" altLang="ko-KR" dirty="0">
-                <a:highlight>
-                  <a:srgbClr val="800080"/>
-                </a:highlight>
-              </a:rPr>
-              <a:t>”</a:t>
-            </a:r>
-            <a:r>
-              <a:rPr lang="en-US" altLang="ko-KR" dirty="0"/>
-              <a:t> </a:t>
-            </a:r>
-            <a:r>
-              <a:rPr lang="ko-KR" altLang="en-US" dirty="0"/>
-              <a:t>리눅스는 쓸모 없다</a:t>
-            </a:r>
-            <a:r>
-              <a:rPr lang="en-US" altLang="ko-KR" dirty="0"/>
-              <a:t>.</a:t>
-            </a:r>
-            <a:br>
-              <a:rPr lang="en-US" altLang="ko-KR" dirty="0"/>
-            </a:br>
-            <a:br>
-              <a:rPr lang="en-US" altLang="ko-KR" dirty="0"/>
-            </a:br>
-            <a:r>
-              <a:rPr lang="en-US" altLang="ko-KR" dirty="0">
-                <a:hlinkClick r:id="rId3"/>
-              </a:rPr>
-              <a:t>https://joone.net/2019/02/09/30-%EB%A6%AC%EB%88%85%EC%8A%A4-%EC%9D%B4%EC%95%BC%EA%B8%B0-%EB%A6%AC%EB%88%85%EC%8A%A4-vs-%EB%AF%B8%EB%8B%89%EC%8A%A4-1%EB%B6%80/</a:t>
-            </a:r>
-            <a:endParaRPr lang="ko-KR" altLang="en-US" dirty="0"/>
+                <a:latin typeface="+mj-ea"/>
+                <a:ea typeface="+mj-ea"/>
+              </a:rPr>
+              <a:t>…</a:t>
+            </a:r>
+            <a:endParaRPr lang="ko-KR" altLang="en-US" dirty="0">
+              <a:latin typeface="+mj-ea"/>
+              <a:ea typeface="+mj-ea"/>
+            </a:endParaRPr>
           </a:p>
         </p:txBody>
       </p:sp>
     </p:spTree>
     <p:extLst>
       <p:ext uri="{BB962C8B-B14F-4D97-AF65-F5344CB8AC3E}">
-        <p14:creationId xmlns:p14="http://schemas.microsoft.com/office/powerpoint/2010/main" val="1539549093"/>
+        <p14:creationId xmlns:p14="http://schemas.microsoft.com/office/powerpoint/2010/main" val="146124352"/>
       </p:ext>
     </p:extLst>
   </p:cSld>
@@ -6593,7 +7743,7 @@
           <p:cNvPr id="2" name="제목 1">
             <a:extLst>
               <a:ext uri="{FF2B5EF4-FFF2-40B4-BE49-F238E27FC236}">
-                <a16:creationId xmlns:a16="http://schemas.microsoft.com/office/drawing/2014/main" id="{16394659-00C3-48F2-A024-5EC6C983C792}"/>
+                <a16:creationId xmlns:a16="http://schemas.microsoft.com/office/drawing/2014/main" id="{9417ABF6-1927-4EC7-AF16-81333B25D42B}"/>
               </a:ext>
             </a:extLst>
           </p:cNvPr>
@@ -6610,22 +7760,14 @@
           <a:lstStyle/>
           <a:p>
             <a:r>
-              <a:rPr lang="ko-KR" altLang="en-US" dirty="0"/>
-              <a:t>리눅스 커널에 관하여 </a:t>
-            </a:r>
-            <a:r>
-              <a:rPr lang="en-US" altLang="ko-KR" dirty="0"/>
-              <a:t>(</a:t>
-            </a:r>
-            <a:r>
-              <a:rPr lang="ko-KR" altLang="en-US" dirty="0"/>
-              <a:t>역사</a:t>
-            </a:r>
-            <a:r>
-              <a:rPr lang="en-US" altLang="ko-KR" dirty="0"/>
-              <a:t>)</a:t>
-            </a:r>
-            <a:endParaRPr lang="ko-KR" altLang="en-US" dirty="0"/>
+              <a:rPr lang="en-US" altLang="ko-KR" dirty="0">
+                <a:latin typeface="+mj-ea"/>
+              </a:rPr>
+              <a:t>Monolithic kernel vs Micro kernel</a:t>
+            </a:r>
+            <a:endParaRPr lang="ko-KR" altLang="en-US" dirty="0">
+              <a:latin typeface="+mj-ea"/>
+            </a:endParaRPr>
           </a:p>
         </p:txBody>
       </p:sp>
@@ -6634,7 +7776,7 @@
           <p:cNvPr id="3" name="내용 개체 틀 2">
             <a:extLst>
               <a:ext uri="{FF2B5EF4-FFF2-40B4-BE49-F238E27FC236}">
-                <a16:creationId xmlns:a16="http://schemas.microsoft.com/office/drawing/2014/main" id="{92C0597B-3F8A-426E-A89A-6C87D9650F20}"/>
+                <a16:creationId xmlns:a16="http://schemas.microsoft.com/office/drawing/2014/main" id="{D0EEF6D1-98A3-41F7-AC8B-B0665901DC4D}"/>
               </a:ext>
             </a:extLst>
           </p:cNvPr>
@@ -6645,175 +7787,208 @@
             <p:ph idx="1"/>
           </p:nvPr>
         </p:nvSpPr>
-        <p:spPr/>
-        <p:txBody>
-          <a:bodyPr/>
-          <a:lstStyle/>
-          <a:p>
-            <a:r>
-              <a:rPr lang="en-US" altLang="ko-KR" dirty="0"/>
+        <p:spPr>
+          <a:xfrm>
+            <a:off x="838200" y="1825625"/>
+            <a:ext cx="10515600" cy="4351338"/>
+          </a:xfrm>
+        </p:spPr>
+        <p:txBody>
+          <a:bodyPr>
+            <a:normAutofit lnSpcReduction="10000"/>
+          </a:bodyPr>
+          <a:lstStyle/>
+          <a:p>
+            <a:pPr marL="0" indent="0">
+              <a:buNone/>
+            </a:pPr>
+            <a:r>
+              <a:rPr lang="en-US" altLang="ko-KR" dirty="0">
+                <a:latin typeface="+mj-ea"/>
+                <a:ea typeface="+mj-ea"/>
+              </a:rPr>
               <a:t>1992</a:t>
             </a:r>
             <a:r>
-              <a:rPr lang="ko-KR" altLang="en-US" dirty="0"/>
-              <a:t>년 </a:t>
-            </a:r>
-            <a:r>
-              <a:rPr lang="en-US" altLang="ko-KR" dirty="0"/>
-              <a:t>MINIX </a:t>
-            </a:r>
-            <a:r>
-              <a:rPr lang="ko-KR" altLang="en-US" dirty="0"/>
-              <a:t>커뮤니티에 </a:t>
-            </a:r>
-            <a:r>
-              <a:rPr lang="en-US" altLang="ko-KR" dirty="0"/>
-              <a:t>Open-source Linux kernel</a:t>
-            </a:r>
-            <a:r>
-              <a:rPr lang="ko-KR" altLang="en-US" dirty="0"/>
-              <a:t>이 개발중임을 공표 </a:t>
-            </a:r>
-            <a:r>
-              <a:rPr lang="en-US" altLang="ko-KR" dirty="0"/>
-              <a:t>(</a:t>
-            </a:r>
-            <a:r>
-              <a:rPr lang="ko-KR" altLang="en-US" dirty="0"/>
-              <a:t>취미로</a:t>
-            </a:r>
-            <a:r>
-              <a:rPr lang="en-US" altLang="ko-KR" dirty="0"/>
-              <a:t>).</a:t>
-            </a:r>
-          </a:p>
-          <a:p>
-            <a:r>
-              <a:rPr lang="ko-KR" altLang="en-US" dirty="0"/>
-              <a:t>초기 리눅스는 </a:t>
-            </a:r>
-            <a:r>
-              <a:rPr lang="en-US" altLang="ko-KR" dirty="0"/>
-              <a:t>Unix </a:t>
-            </a:r>
-            <a:r>
-              <a:rPr lang="ko-KR" altLang="en-US" dirty="0"/>
-              <a:t>호환 설계를 위하여 </a:t>
-            </a:r>
-            <a:r>
-              <a:rPr lang="en-US" altLang="ko-KR" dirty="0" err="1"/>
-              <a:t>Minix</a:t>
-            </a:r>
-            <a:r>
-              <a:rPr lang="en-US" altLang="ko-KR" dirty="0"/>
+              <a:rPr lang="ko-KR" altLang="en-US" dirty="0">
+                <a:latin typeface="+mj-ea"/>
+                <a:ea typeface="+mj-ea"/>
+              </a:rPr>
+              <a:t>년 리눅스 </a:t>
+            </a:r>
+            <a:r>
+              <a:rPr lang="ko-KR" altLang="en-US" dirty="0" err="1">
+                <a:latin typeface="+mj-ea"/>
+                <a:ea typeface="+mj-ea"/>
+              </a:rPr>
+              <a:t>토발즈</a:t>
+            </a:r>
+            <a:r>
+              <a:rPr lang="ko-KR" altLang="en-US" dirty="0">
+                <a:latin typeface="+mj-ea"/>
+                <a:ea typeface="+mj-ea"/>
+              </a:rPr>
               <a:t> </a:t>
             </a:r>
             <a:r>
-              <a:rPr lang="ko-KR" altLang="en-US" dirty="0"/>
-              <a:t>기반으로 설계</a:t>
-            </a:r>
-            <a:r>
-              <a:rPr lang="en-US" altLang="ko-KR" dirty="0"/>
-              <a:t>.</a:t>
-            </a:r>
-          </a:p>
-          <a:p>
-            <a:r>
-              <a:rPr lang="ko-KR" altLang="en-US" dirty="0"/>
-              <a:t>당시에 존재하는 </a:t>
-            </a:r>
-            <a:r>
-              <a:rPr lang="en-US" altLang="ko-KR" dirty="0"/>
-              <a:t>OS</a:t>
-            </a:r>
-            <a:r>
-              <a:rPr lang="ko-KR" altLang="en-US" dirty="0"/>
-              <a:t>로는 </a:t>
-            </a:r>
-            <a:r>
-              <a:rPr lang="en-US" altLang="ko-KR" dirty="0"/>
-              <a:t>GNU Hurd, BSD </a:t>
-            </a:r>
-            <a:r>
-              <a:rPr lang="ko-KR" altLang="en-US" dirty="0"/>
-              <a:t>등이 있었지만</a:t>
-            </a:r>
-            <a:r>
-              <a:rPr lang="en-US" altLang="ko-KR" dirty="0"/>
-              <a:t>, </a:t>
-            </a:r>
-            <a:r>
-              <a:rPr lang="ko-KR" altLang="en-US" dirty="0"/>
-              <a:t>완전하지 못하거나 법적 문제로부터 자유롭지 못했다</a:t>
-            </a:r>
-            <a:r>
-              <a:rPr lang="en-US" altLang="ko-KR" dirty="0"/>
-              <a:t>.</a:t>
-            </a:r>
-          </a:p>
-          <a:p>
-            <a:r>
-              <a:rPr lang="ko-KR" altLang="en-US" dirty="0"/>
-              <a:t>이러한 이유로 </a:t>
-            </a:r>
-            <a:r>
-              <a:rPr lang="en-US" altLang="ko-KR" dirty="0"/>
-              <a:t>Open-source</a:t>
-            </a:r>
-            <a:r>
-              <a:rPr lang="ko-KR" altLang="en-US" dirty="0"/>
-              <a:t>이자 제대로 되어있는 커널인 </a:t>
-            </a:r>
-            <a:r>
-              <a:rPr lang="en-US" altLang="ko-KR" dirty="0"/>
-              <a:t>Linux kernel</a:t>
-            </a:r>
-            <a:r>
-              <a:rPr lang="ko-KR" altLang="en-US" dirty="0"/>
-              <a:t>에 많은 관심을 </a:t>
-            </a:r>
-            <a:r>
-              <a:rPr lang="ko-KR" altLang="en-US" dirty="0" err="1"/>
-              <a:t>보였던듯하다</a:t>
-            </a:r>
-            <a:r>
-              <a:rPr lang="en-US" altLang="ko-KR" dirty="0"/>
-              <a:t>.</a:t>
-            </a:r>
-          </a:p>
-          <a:p>
-            <a:r>
-              <a:rPr lang="en-US" altLang="ko-KR" dirty="0"/>
-              <a:t>1994</a:t>
-            </a:r>
-            <a:r>
-              <a:rPr lang="ko-KR" altLang="en-US" dirty="0"/>
-              <a:t>년 </a:t>
+              <a:rPr lang="en-US" altLang="ko-KR" dirty="0">
+                <a:latin typeface="+mj-ea"/>
+                <a:ea typeface="+mj-ea"/>
+              </a:rPr>
+              <a:t>vs. </a:t>
+            </a:r>
+            <a:r>
+              <a:rPr lang="ko-KR" altLang="en-US" dirty="0" err="1">
+                <a:latin typeface="+mj-ea"/>
+                <a:ea typeface="+mj-ea"/>
+              </a:rPr>
+              <a:t>앤드루</a:t>
+            </a:r>
+            <a:r>
+              <a:rPr lang="ko-KR" altLang="en-US" dirty="0">
+                <a:latin typeface="+mj-ea"/>
+                <a:ea typeface="+mj-ea"/>
+              </a:rPr>
+              <a:t> </a:t>
+            </a:r>
+            <a:r>
+              <a:rPr lang="ko-KR" altLang="en-US" dirty="0" err="1">
+                <a:latin typeface="+mj-ea"/>
+                <a:ea typeface="+mj-ea"/>
+              </a:rPr>
+              <a:t>타넨바움</a:t>
+            </a:r>
+            <a:r>
+              <a:rPr lang="ko-KR" altLang="en-US" dirty="0">
+                <a:latin typeface="+mj-ea"/>
+                <a:ea typeface="+mj-ea"/>
+              </a:rPr>
+              <a:t> 논쟁</a:t>
+            </a:r>
+            <a:endParaRPr lang="en-US" altLang="ko-KR" dirty="0">
+              <a:latin typeface="+mj-ea"/>
+              <a:ea typeface="+mj-ea"/>
+            </a:endParaRPr>
+          </a:p>
+          <a:p>
+            <a:pPr marL="0" indent="0">
+              <a:buNone/>
+            </a:pPr>
+            <a:r>
+              <a:rPr lang="en-US" altLang="ko-KR" dirty="0">
+                <a:latin typeface="+mj-ea"/>
+                <a:ea typeface="+mj-ea"/>
+                <a:hlinkClick r:id="rId2"/>
+              </a:rPr>
+              <a:t>https://groups.google.com/forum/?hl=ko#!search/comp.os.minix/comp.os.minix/wlhw16QWltI/XdksCA1TR_QJ</a:t>
+            </a:r>
+            <a:endParaRPr lang="en-US" altLang="ko-KR" dirty="0">
+              <a:latin typeface="+mj-ea"/>
+              <a:ea typeface="+mj-ea"/>
+            </a:endParaRPr>
+          </a:p>
+          <a:p>
+            <a:pPr marL="0" indent="0">
+              <a:buNone/>
+            </a:pPr>
+            <a:endParaRPr lang="en-US" altLang="ko-KR" dirty="0">
+              <a:latin typeface="+mj-ea"/>
+              <a:ea typeface="+mj-ea"/>
+            </a:endParaRPr>
+          </a:p>
+          <a:p>
+            <a:pPr marL="0" indent="0">
+              <a:buNone/>
+            </a:pPr>
+            <a:r>
+              <a:rPr lang="ko-KR" altLang="en-US" dirty="0">
+                <a:latin typeface="+mj-ea"/>
+                <a:ea typeface="+mj-ea"/>
+              </a:rPr>
+              <a:t>놀랍게도 제목이 </a:t>
+            </a:r>
+            <a:r>
+              <a:rPr lang="en-US" altLang="ko-KR" dirty="0">
+                <a:highlight>
+                  <a:srgbClr val="800080"/>
+                </a:highlight>
+                <a:latin typeface="+mj-ea"/>
+                <a:ea typeface="+mj-ea"/>
+              </a:rPr>
+              <a:t>“</a:t>
             </a:r>
             <a:r>
               <a:rPr lang="en-US" altLang="ko-KR" b="1" dirty="0">
                 <a:highlight>
                   <a:srgbClr val="800080"/>
                 </a:highlight>
-              </a:rPr>
-              <a:t>Linux kernel 1.0.0</a:t>
-            </a:r>
-            <a:r>
-              <a:rPr lang="ko-KR" altLang="en-US" dirty="0"/>
-              <a:t>이 출시되었다</a:t>
-            </a:r>
-            <a:r>
-              <a:rPr lang="en-US" altLang="ko-KR" dirty="0"/>
+                <a:latin typeface="+mj-ea"/>
+                <a:ea typeface="+mj-ea"/>
+              </a:rPr>
+              <a:t>Linux is obsolete</a:t>
+            </a:r>
+            <a:r>
+              <a:rPr lang="en-US" altLang="ko-KR" dirty="0">
+                <a:highlight>
+                  <a:srgbClr val="800080"/>
+                </a:highlight>
+                <a:latin typeface="+mj-ea"/>
+                <a:ea typeface="+mj-ea"/>
+              </a:rPr>
+              <a:t>”</a:t>
+            </a:r>
+            <a:r>
+              <a:rPr lang="en-US" altLang="ko-KR" dirty="0">
+                <a:latin typeface="+mj-ea"/>
+                <a:ea typeface="+mj-ea"/>
+              </a:rPr>
+              <a:t> </a:t>
+            </a:r>
+            <a:r>
+              <a:rPr lang="ko-KR" altLang="en-US" dirty="0">
+                <a:latin typeface="+mj-ea"/>
+                <a:ea typeface="+mj-ea"/>
+              </a:rPr>
+              <a:t>리눅스는 쓸모 없다</a:t>
+            </a:r>
+            <a:r>
+              <a:rPr lang="en-US" altLang="ko-KR" dirty="0">
+                <a:latin typeface="+mj-ea"/>
+                <a:ea typeface="+mj-ea"/>
+              </a:rPr>
               <a:t>.</a:t>
             </a:r>
-            <a:endParaRPr lang="ko-KR" altLang="en-US" dirty="0"/>
+            <a:br>
+              <a:rPr lang="en-US" altLang="ko-KR" dirty="0">
+                <a:latin typeface="+mj-ea"/>
+                <a:ea typeface="+mj-ea"/>
+              </a:rPr>
+            </a:br>
+            <a:br>
+              <a:rPr lang="en-US" altLang="ko-KR" dirty="0">
+                <a:latin typeface="+mj-ea"/>
+                <a:ea typeface="+mj-ea"/>
+              </a:rPr>
+            </a:br>
+            <a:r>
+              <a:rPr lang="en-US" altLang="ko-KR" dirty="0">
+                <a:latin typeface="+mj-ea"/>
+                <a:ea typeface="+mj-ea"/>
+                <a:hlinkClick r:id="rId3"/>
+              </a:rPr>
+              <a:t>https://joone.net/2019/02/09/30-%EB%A6%AC%EB%88%85%EC%8A%A4-%EC%9D%B4%EC%95%BC%EA%B8%B0-%EB%A6%AC%EB%88%85%EC%8A%A4-vs-%EB%AF%B8%EB%8B%89%EC%8A%A4-1%EB%B6%80/</a:t>
+            </a:r>
+            <a:endParaRPr lang="ko-KR" altLang="en-US" dirty="0">
+              <a:latin typeface="+mj-ea"/>
+              <a:ea typeface="+mj-ea"/>
+            </a:endParaRPr>
           </a:p>
         </p:txBody>
       </p:sp>
     </p:spTree>
     <p:extLst>
       <p:ext uri="{BB962C8B-B14F-4D97-AF65-F5344CB8AC3E}">
-        <p14:creationId xmlns:p14="http://schemas.microsoft.com/office/powerpoint/2010/main" val="771869757"/>
+        <p14:creationId xmlns:p14="http://schemas.microsoft.com/office/powerpoint/2010/main" val="1539549093"/>
       </p:ext>
     </p:extLst>
   </p:cSld>
@@ -6845,7 +8020,7 @@
           <p:cNvPr id="2" name="제목 1">
             <a:extLst>
               <a:ext uri="{FF2B5EF4-FFF2-40B4-BE49-F238E27FC236}">
-                <a16:creationId xmlns:a16="http://schemas.microsoft.com/office/drawing/2014/main" id="{6FA25AC4-2111-49DF-9957-188FE4019FA0}"/>
+                <a16:creationId xmlns:a16="http://schemas.microsoft.com/office/drawing/2014/main" id="{16394659-00C3-48F2-A024-5EC6C983C792}"/>
               </a:ext>
             </a:extLst>
           </p:cNvPr>
@@ -6862,22 +8037,32 @@
           <a:lstStyle/>
           <a:p>
             <a:r>
-              <a:rPr lang="ko-KR" altLang="en-US" dirty="0"/>
+              <a:rPr lang="ko-KR" altLang="en-US" dirty="0">
+                <a:latin typeface="+mj-ea"/>
+              </a:rPr>
               <a:t>리눅스 커널에 관하여 </a:t>
             </a:r>
             <a:r>
-              <a:rPr lang="en-US" altLang="ko-KR" dirty="0"/>
+              <a:rPr lang="en-US" altLang="ko-KR" dirty="0">
+                <a:latin typeface="+mj-ea"/>
+              </a:rPr>
               <a:t>(</a:t>
             </a:r>
             <a:r>
-              <a:rPr lang="ko-KR" altLang="en-US" dirty="0"/>
+              <a:rPr lang="ko-KR" altLang="en-US" dirty="0">
+                <a:latin typeface="+mj-ea"/>
+              </a:rPr>
               <a:t>역사</a:t>
             </a:r>
             <a:r>
-              <a:rPr lang="en-US" altLang="ko-KR" dirty="0"/>
+              <a:rPr lang="en-US" altLang="ko-KR" dirty="0">
+                <a:latin typeface="+mj-ea"/>
+              </a:rPr>
               <a:t>)</a:t>
             </a:r>
-            <a:endParaRPr lang="ko-KR" altLang="en-US" dirty="0"/>
+            <a:endParaRPr lang="ko-KR" altLang="en-US" dirty="0">
+              <a:latin typeface="+mj-ea"/>
+            </a:endParaRPr>
           </a:p>
         </p:txBody>
       </p:sp>
@@ -6886,7 +8071,7 @@
           <p:cNvPr id="3" name="내용 개체 틀 2">
             <a:extLst>
               <a:ext uri="{FF2B5EF4-FFF2-40B4-BE49-F238E27FC236}">
-                <a16:creationId xmlns:a16="http://schemas.microsoft.com/office/drawing/2014/main" id="{DB7BD1DE-544B-4FA2-A2EF-4A62EFA08D52}"/>
+                <a16:creationId xmlns:a16="http://schemas.microsoft.com/office/drawing/2014/main" id="{92C0597B-3F8A-426E-A89A-6C87D9650F20}"/>
               </a:ext>
             </a:extLst>
           </p:cNvPr>
@@ -6899,150 +8084,275 @@
         </p:nvSpPr>
         <p:spPr/>
         <p:txBody>
-          <a:bodyPr>
-            <a:normAutofit/>
-          </a:bodyPr>
-          <a:lstStyle/>
-          <a:p>
-            <a:r>
-              <a:rPr lang="en-US" altLang="ko-KR" dirty="0"/>
-              <a:t>Linux 0.1 (1991)</a:t>
-            </a:r>
-          </a:p>
-          <a:p>
-            <a:pPr lvl="1"/>
-            <a:r>
-              <a:rPr lang="en-US" altLang="ko-KR" dirty="0"/>
-              <a:t>Network </a:t>
-            </a:r>
-            <a:r>
-              <a:rPr lang="ko-KR" altLang="en-US" dirty="0"/>
-              <a:t>기능이 없고</a:t>
-            </a:r>
-            <a:r>
-              <a:rPr lang="en-US" altLang="ko-KR" dirty="0"/>
-              <a:t>, 80386 </a:t>
-            </a:r>
-            <a:r>
-              <a:rPr lang="ko-KR" altLang="en-US" dirty="0"/>
-              <a:t>인텔 프로세서</a:t>
-            </a:r>
-            <a:r>
-              <a:rPr lang="en-US" altLang="ko-KR" dirty="0"/>
+          <a:bodyPr/>
+          <a:lstStyle/>
+          <a:p>
+            <a:r>
+              <a:rPr lang="en-US" altLang="ko-KR" dirty="0">
+                <a:latin typeface="+mj-ea"/>
+                <a:ea typeface="+mj-ea"/>
+              </a:rPr>
+              <a:t>1992</a:t>
+            </a:r>
+            <a:r>
+              <a:rPr lang="ko-KR" altLang="en-US" dirty="0">
+                <a:latin typeface="+mj-ea"/>
+                <a:ea typeface="+mj-ea"/>
+              </a:rPr>
+              <a:t>년 </a:t>
+            </a:r>
+            <a:r>
+              <a:rPr lang="en-US" altLang="ko-KR" dirty="0">
+                <a:latin typeface="+mj-ea"/>
+                <a:ea typeface="+mj-ea"/>
+              </a:rPr>
+              <a:t>MINIX </a:t>
+            </a:r>
+            <a:r>
+              <a:rPr lang="ko-KR" altLang="en-US" dirty="0">
+                <a:latin typeface="+mj-ea"/>
+                <a:ea typeface="+mj-ea"/>
+              </a:rPr>
+              <a:t>커뮤니티에 </a:t>
+            </a:r>
+            <a:r>
+              <a:rPr lang="en-US" altLang="ko-KR" dirty="0">
+                <a:latin typeface="+mj-ea"/>
+                <a:ea typeface="+mj-ea"/>
+              </a:rPr>
+              <a:t>Open-source Linux kernel</a:t>
+            </a:r>
+            <a:r>
+              <a:rPr lang="ko-KR" altLang="en-US" dirty="0">
+                <a:latin typeface="+mj-ea"/>
+                <a:ea typeface="+mj-ea"/>
+              </a:rPr>
+              <a:t>이 개발중임을 공표 </a:t>
+            </a:r>
+            <a:r>
+              <a:rPr lang="en-US" altLang="ko-KR" dirty="0">
+                <a:latin typeface="+mj-ea"/>
+                <a:ea typeface="+mj-ea"/>
+              </a:rPr>
+              <a:t>(</a:t>
+            </a:r>
+            <a:r>
+              <a:rPr lang="ko-KR" altLang="en-US" dirty="0">
+                <a:latin typeface="+mj-ea"/>
+                <a:ea typeface="+mj-ea"/>
+              </a:rPr>
+              <a:t>취미로</a:t>
+            </a:r>
+            <a:r>
+              <a:rPr lang="en-US" altLang="ko-KR" dirty="0">
+                <a:latin typeface="+mj-ea"/>
+                <a:ea typeface="+mj-ea"/>
+              </a:rPr>
+              <a:t>).</a:t>
+            </a:r>
+          </a:p>
+          <a:p>
+            <a:r>
+              <a:rPr lang="ko-KR" altLang="en-US" dirty="0">
+                <a:latin typeface="+mj-ea"/>
+                <a:ea typeface="+mj-ea"/>
+              </a:rPr>
+              <a:t>초기 리눅스는 </a:t>
+            </a:r>
+            <a:r>
+              <a:rPr lang="en-US" altLang="ko-KR" dirty="0">
+                <a:latin typeface="+mj-ea"/>
+                <a:ea typeface="+mj-ea"/>
+              </a:rPr>
+              <a:t>Unix </a:t>
+            </a:r>
+            <a:r>
+              <a:rPr lang="ko-KR" altLang="en-US" dirty="0">
+                <a:latin typeface="+mj-ea"/>
+                <a:ea typeface="+mj-ea"/>
+              </a:rPr>
+              <a:t>호환 설계를 위하여 </a:t>
+            </a:r>
+            <a:r>
+              <a:rPr lang="en-US" altLang="ko-KR" dirty="0" err="1">
+                <a:latin typeface="+mj-ea"/>
+                <a:ea typeface="+mj-ea"/>
+              </a:rPr>
+              <a:t>Minix</a:t>
+            </a:r>
+            <a:r>
+              <a:rPr lang="en-US" altLang="ko-KR" dirty="0">
+                <a:latin typeface="+mj-ea"/>
+                <a:ea typeface="+mj-ea"/>
+              </a:rPr>
+              <a:t> </a:t>
+            </a:r>
+            <a:r>
+              <a:rPr lang="ko-KR" altLang="en-US" dirty="0">
+                <a:latin typeface="+mj-ea"/>
+                <a:ea typeface="+mj-ea"/>
+              </a:rPr>
+              <a:t>기반으로 설계</a:t>
+            </a:r>
+            <a:r>
+              <a:rPr lang="en-US" altLang="ko-KR" dirty="0">
+                <a:latin typeface="+mj-ea"/>
+                <a:ea typeface="+mj-ea"/>
+              </a:rPr>
+              <a:t>.</a:t>
+            </a:r>
+          </a:p>
+          <a:p>
+            <a:r>
+              <a:rPr lang="ko-KR" altLang="en-US" dirty="0">
+                <a:latin typeface="+mj-ea"/>
+                <a:ea typeface="+mj-ea"/>
+              </a:rPr>
+              <a:t>당시에 존재하는 </a:t>
+            </a:r>
+            <a:r>
+              <a:rPr lang="en-US" altLang="ko-KR" dirty="0">
+                <a:latin typeface="+mj-ea"/>
+                <a:ea typeface="+mj-ea"/>
+              </a:rPr>
+              <a:t>OS</a:t>
+            </a:r>
+            <a:r>
+              <a:rPr lang="ko-KR" altLang="en-US" dirty="0">
+                <a:latin typeface="+mj-ea"/>
+                <a:ea typeface="+mj-ea"/>
+              </a:rPr>
+              <a:t>로는 </a:t>
+            </a:r>
+            <a:r>
+              <a:rPr lang="en-US" altLang="ko-KR" dirty="0">
+                <a:latin typeface="+mj-ea"/>
+                <a:ea typeface="+mj-ea"/>
+              </a:rPr>
+              <a:t>GNU Hurd, BSD </a:t>
+            </a:r>
+            <a:r>
+              <a:rPr lang="ko-KR" altLang="en-US" dirty="0">
+                <a:latin typeface="+mj-ea"/>
+                <a:ea typeface="+mj-ea"/>
+              </a:rPr>
+              <a:t>등이 있었지만</a:t>
+            </a:r>
+            <a:r>
+              <a:rPr lang="en-US" altLang="ko-KR" dirty="0">
+                <a:latin typeface="+mj-ea"/>
+                <a:ea typeface="+mj-ea"/>
+              </a:rPr>
               <a:t>, </a:t>
             </a:r>
             <a:r>
-              <a:rPr lang="ko-KR" altLang="en-US" dirty="0"/>
-              <a:t>하드웨어에서만 동작</a:t>
-            </a:r>
-            <a:r>
-              <a:rPr lang="en-US" altLang="ko-KR" dirty="0"/>
+              <a:rPr lang="ko-KR" altLang="en-US" dirty="0">
+                <a:latin typeface="+mj-ea"/>
+                <a:ea typeface="+mj-ea"/>
+              </a:rPr>
+              <a:t>완전하지 못하거나 법적 문제로부터 자유롭지 못했다</a:t>
+            </a:r>
+            <a:r>
+              <a:rPr lang="en-US" altLang="ko-KR" dirty="0">
+                <a:latin typeface="+mj-ea"/>
+                <a:ea typeface="+mj-ea"/>
+              </a:rPr>
               <a:t>.</a:t>
             </a:r>
           </a:p>
           <a:p>
             <a:r>
-              <a:rPr lang="en-US" altLang="ko-KR" dirty="0"/>
-              <a:t>Linux 1.0</a:t>
-            </a:r>
-          </a:p>
-          <a:p>
-            <a:pPr lvl="1"/>
-            <a:r>
-              <a:rPr lang="en-US" altLang="ko-KR" dirty="0"/>
-              <a:t>UNIX </a:t>
-            </a:r>
-            <a:r>
-              <a:rPr lang="ko-KR" altLang="en-US" dirty="0"/>
-              <a:t>표준 </a:t>
-            </a:r>
-            <a:r>
-              <a:rPr lang="en-US" altLang="ko-KR" dirty="0"/>
-              <a:t>TCP/IP Network protocol </a:t>
-            </a:r>
-            <a:r>
-              <a:rPr lang="ko-KR" altLang="en-US" dirty="0"/>
-              <a:t>지원</a:t>
-            </a:r>
-            <a:r>
-              <a:rPr lang="en-US" altLang="ko-KR" dirty="0"/>
+              <a:rPr lang="ko-KR" altLang="en-US" dirty="0">
+                <a:latin typeface="+mj-ea"/>
+                <a:ea typeface="+mj-ea"/>
+              </a:rPr>
+              <a:t>이러한 이유로 </a:t>
+            </a:r>
+            <a:r>
+              <a:rPr lang="en-US" altLang="ko-KR" dirty="0">
+                <a:latin typeface="+mj-ea"/>
+                <a:ea typeface="+mj-ea"/>
+              </a:rPr>
+              <a:t>Open-source</a:t>
+            </a:r>
+            <a:r>
+              <a:rPr lang="ko-KR" altLang="en-US" dirty="0">
+                <a:latin typeface="+mj-ea"/>
+                <a:ea typeface="+mj-ea"/>
+              </a:rPr>
+              <a:t>이자 제대로 되어있는 커널인 </a:t>
+            </a:r>
+            <a:r>
+              <a:rPr lang="en-US" altLang="ko-KR" dirty="0">
+                <a:latin typeface="+mj-ea"/>
+                <a:ea typeface="+mj-ea"/>
+              </a:rPr>
+              <a:t>Linux kernel</a:t>
+            </a:r>
+            <a:r>
+              <a:rPr lang="ko-KR" altLang="en-US" dirty="0">
+                <a:latin typeface="+mj-ea"/>
+                <a:ea typeface="+mj-ea"/>
+              </a:rPr>
+              <a:t>에 많은 관심을 </a:t>
+            </a:r>
+            <a:r>
+              <a:rPr lang="ko-KR" altLang="en-US" dirty="0" err="1">
+                <a:latin typeface="+mj-ea"/>
+                <a:ea typeface="+mj-ea"/>
+              </a:rPr>
+              <a:t>보였던듯하다</a:t>
+            </a:r>
+            <a:r>
+              <a:rPr lang="en-US" altLang="ko-KR" dirty="0">
+                <a:latin typeface="+mj-ea"/>
+                <a:ea typeface="+mj-ea"/>
+              </a:rPr>
               <a:t>.</a:t>
             </a:r>
           </a:p>
           <a:p>
             <a:r>
-              <a:rPr lang="en-US" altLang="ko-KR" dirty="0"/>
-              <a:t>Linux 2.2</a:t>
-            </a:r>
-          </a:p>
-          <a:p>
-            <a:pPr lvl="1"/>
-            <a:r>
-              <a:rPr lang="ko-KR" altLang="en-US" b="1" dirty="0">
-                <a:highlight>
-                  <a:srgbClr val="800080"/>
-                </a:highlight>
-              </a:rPr>
-              <a:t>다양한 파일 시스템 지원</a:t>
-            </a:r>
-            <a:endParaRPr lang="en-US" altLang="ko-KR" b="1" dirty="0">
-              <a:highlight>
-                <a:srgbClr val="800080"/>
-              </a:highlight>
-            </a:endParaRPr>
-          </a:p>
-          <a:p>
-            <a:r>
-              <a:rPr lang="en-US" altLang="ko-KR" dirty="0"/>
-              <a:t>Linux 2.6</a:t>
-            </a:r>
-          </a:p>
-          <a:p>
-            <a:pPr lvl="1"/>
-            <a:r>
-              <a:rPr lang="ko-KR" altLang="en-US" b="1" dirty="0">
-                <a:highlight>
-                  <a:srgbClr val="800080"/>
-                </a:highlight>
-              </a:rPr>
-              <a:t>커널의 선점형 동작</a:t>
-            </a:r>
-            <a:endParaRPr lang="en-US" altLang="ko-KR" b="1" dirty="0">
-              <a:highlight>
-                <a:srgbClr val="800080"/>
-              </a:highlight>
-            </a:endParaRPr>
-          </a:p>
-          <a:p>
-            <a:pPr lvl="1"/>
+              <a:rPr lang="en-US" altLang="ko-KR" dirty="0">
+                <a:latin typeface="+mj-ea"/>
+                <a:ea typeface="+mj-ea"/>
+              </a:rPr>
+              <a:t>1994</a:t>
+            </a:r>
+            <a:r>
+              <a:rPr lang="ko-KR" altLang="en-US" dirty="0">
+                <a:latin typeface="+mj-ea"/>
+                <a:ea typeface="+mj-ea"/>
+              </a:rPr>
+              <a:t>년 </a:t>
+            </a:r>
             <a:r>
               <a:rPr lang="en-US" altLang="ko-KR" b="1" dirty="0">
                 <a:highlight>
                   <a:srgbClr val="800080"/>
                 </a:highlight>
-              </a:rPr>
-              <a:t>O(1) </a:t>
-            </a:r>
-            <a:r>
-              <a:rPr lang="ko-KR" altLang="en-US" b="1" dirty="0" err="1">
-                <a:highlight>
-                  <a:srgbClr val="800080"/>
-                </a:highlight>
-              </a:rPr>
-              <a:t>스케쥴러</a:t>
-            </a:r>
-            <a:r>
-              <a:rPr lang="ko-KR" altLang="en-US" b="1" dirty="0">
-                <a:highlight>
-                  <a:srgbClr val="800080"/>
-                </a:highlight>
-              </a:rPr>
-              <a:t> 사용</a:t>
-            </a:r>
-            <a:endParaRPr lang="en-US" altLang="ko-KR" b="1" dirty="0">
-              <a:highlight>
-                <a:srgbClr val="800080"/>
-              </a:highlight>
+                <a:latin typeface="+mj-ea"/>
+                <a:ea typeface="+mj-ea"/>
+              </a:rPr>
+              <a:t>Linux kernel 1.0.0</a:t>
+            </a:r>
+            <a:r>
+              <a:rPr lang="ko-KR" altLang="en-US" dirty="0">
+                <a:latin typeface="+mj-ea"/>
+                <a:ea typeface="+mj-ea"/>
+              </a:rPr>
+              <a:t>이 출시되었다</a:t>
+            </a:r>
+            <a:r>
+              <a:rPr lang="en-US" altLang="ko-KR" dirty="0">
+                <a:latin typeface="+mj-ea"/>
+                <a:ea typeface="+mj-ea"/>
+              </a:rPr>
+              <a:t>.</a:t>
+            </a:r>
+            <a:endParaRPr lang="ko-KR" altLang="en-US" dirty="0">
+              <a:latin typeface="+mj-ea"/>
+              <a:ea typeface="+mj-ea"/>
             </a:endParaRPr>
           </a:p>
         </p:txBody>
@@ -7050,7 +8360,7 @@
     </p:spTree>
     <p:extLst>
       <p:ext uri="{BB962C8B-B14F-4D97-AF65-F5344CB8AC3E}">
-        <p14:creationId xmlns:p14="http://schemas.microsoft.com/office/powerpoint/2010/main" val="1860071028"/>
+        <p14:creationId xmlns:p14="http://schemas.microsoft.com/office/powerpoint/2010/main" val="771869757"/>
       </p:ext>
     </p:extLst>
   </p:cSld>
@@ -7101,9 +8411,9 @@
         <a:srgbClr val="954F72"/>
       </a:folHlink>
     </a:clrScheme>
-    <a:fontScheme name="Office 테마">
+    <a:fontScheme name="Office">
       <a:majorFont>
-        <a:latin typeface="Calibri Light" panose="020F0302020204030204"/>
+        <a:latin typeface="맑은 고딕" panose="020F0302020204030204"/>
         <a:ea typeface=""/>
         <a:cs typeface=""/>
         <a:font script="Jpan" typeface="游ゴシック Light"/>
@@ -7136,9 +8446,26 @@
         <a:font script="Viet" typeface="Times New Roman"/>
         <a:font script="Uigh" typeface="Microsoft Uighur"/>
         <a:font script="Geor" typeface="Sylfaen"/>
+        <a:font script="Armn" typeface="Arial"/>
+        <a:font script="Bugi" typeface="Leelawadee UI"/>
+        <a:font script="Bopo" typeface="Microsoft JhengHei"/>
+        <a:font script="Java" typeface="Javanese Text"/>
+        <a:font script="Lisu" typeface="Segoe UI"/>
+        <a:font script="Mymr" typeface="Myanmar Text"/>
+        <a:font script="Nkoo" typeface="Ebrima"/>
+        <a:font script="Olck" typeface="Nirmala UI"/>
+        <a:font script="Osma" typeface="Ebrima"/>
+        <a:font script="Phag" typeface="Phagspa"/>
+        <a:font script="Syrn" typeface="Estrangelo Edessa"/>
+        <a:font script="Syrj" typeface="Estrangelo Edessa"/>
+        <a:font script="Syre" typeface="Estrangelo Edessa"/>
+        <a:font script="Sora" typeface="Nirmala UI"/>
+        <a:font script="Tale" typeface="Microsoft Tai Le"/>
+        <a:font script="Talu" typeface="Microsoft New Tai Lue"/>
+        <a:font script="Tfng" typeface="Ebrima"/>
       </a:majorFont>
       <a:minorFont>
-        <a:latin typeface="Calibri" panose="020F0502020204030204"/>
+        <a:latin typeface="맑은 고딕" panose="020F0502020204030204"/>
         <a:ea typeface=""/>
         <a:cs typeface=""/>
         <a:font script="Jpan" typeface="游ゴシック"/>
@@ -7171,6 +8498,23 @@
         <a:font script="Viet" typeface="Arial"/>
         <a:font script="Uigh" typeface="Microsoft Uighur"/>
         <a:font script="Geor" typeface="Sylfaen"/>
+        <a:font script="Armn" typeface="Arial"/>
+        <a:font script="Bugi" typeface="Leelawadee UI"/>
+        <a:font script="Bopo" typeface="Microsoft JhengHei"/>
+        <a:font script="Java" typeface="Javanese Text"/>
+        <a:font script="Lisu" typeface="Segoe UI"/>
+        <a:font script="Mymr" typeface="Myanmar Text"/>
+        <a:font script="Nkoo" typeface="Ebrima"/>
+        <a:font script="Olck" typeface="Nirmala UI"/>
+        <a:font script="Osma" typeface="Ebrima"/>
+        <a:font script="Phag" typeface="Phagspa"/>
+        <a:font script="Syrn" typeface="Estrangelo Edessa"/>
+        <a:font script="Syrj" typeface="Estrangelo Edessa"/>
+        <a:font script="Syre" typeface="Estrangelo Edessa"/>
+        <a:font script="Sora" typeface="Nirmala UI"/>
+        <a:font script="Tale" typeface="Microsoft Tai Le"/>
+        <a:font script="Talu" typeface="Microsoft New Tai Lue"/>
+        <a:font script="Tfng" typeface="Ebrima"/>
       </a:minorFont>
     </a:fontScheme>
     <a:fmtScheme name="Office 테마">
